--- a/5.0_python_6.libraries/module_5_python_beg_to_advance.pptx
+++ b/5.0_python_6.libraries/module_5_python_beg_to_advance.pptx
@@ -18,6 +18,7 @@
     <p:sldId id="336" r:id="rId13"/>
     <p:sldId id="328" r:id="rId14"/>
     <p:sldId id="258" r:id="rId15"/>
+    <p:sldId id="340" r:id="rId16"/>
   </p:sldIdLst>
   <p:sldSz cx="12192000" cy="6858000"/>
   <p:notesSz cx="6858000" cy="9144000"/>
@@ -5592,6 +5593,366 @@
             <a:schemeClr val="lt1"/>
           </a:fontRef>
         </p:style>
+      </p:sp>
+    </p:spTree>
+  </p:cSld>
+  <p:clrMapOvr>
+    <a:masterClrMapping/>
+  </p:clrMapOvr>
+</p:sld>
+</file>
+
+<file path=ppt/slides/slide14.xml><?xml version="1.0" encoding="utf-8"?>
+<p:sld xmlns:a="http://schemas.openxmlformats.org/drawingml/2006/main" xmlns:r="http://schemas.openxmlformats.org/officeDocument/2006/relationships" xmlns:p="http://schemas.openxmlformats.org/presentationml/2006/main">
+  <p:cSld>
+    <p:spTree>
+      <p:nvGrpSpPr>
+        <p:cNvPr id="1" name=""/>
+        <p:cNvGrpSpPr/>
+        <p:nvPr/>
+      </p:nvGrpSpPr>
+      <p:grpSpPr/>
+      <p:pic>
+        <p:nvPicPr>
+          <p:cNvPr id="4" name="Picture 3"/>
+          <p:cNvPicPr/>
+          <p:nvPr/>
+        </p:nvPicPr>
+        <p:blipFill>
+          <a:blip r:embed="rId1"/>
+          <a:stretch>
+            <a:fillRect/>
+          </a:stretch>
+        </p:blipFill>
+        <p:spPr>
+          <a:xfrm>
+            <a:off x="3873500" y="-40464104"/>
+            <a:ext cx="4064000" cy="2857500"/>
+          </a:xfrm>
+          <a:prstGeom prst="rect">
+            <a:avLst/>
+          </a:prstGeom>
+        </p:spPr>
+      </p:pic>
+      <p:sp>
+        <p:nvSpPr>
+          <p:cNvPr id="6" name="Text Box 5"/>
+          <p:cNvSpPr txBox="1"/>
+          <p:nvPr/>
+        </p:nvSpPr>
+        <p:spPr>
+          <a:xfrm>
+            <a:off x="221615" y="1179195"/>
+            <a:ext cx="7715885" cy="1568450"/>
+          </a:xfrm>
+          <a:prstGeom prst="rect">
+            <a:avLst/>
+          </a:prstGeom>
+        </p:spPr>
+        <p:txBody>
+          <a:bodyPr wrap="square">
+            <a:spAutoFit/>
+          </a:bodyPr>
+          <a:p>
+            <a:pPr marL="0" indent="0">
+              <a:spcBef>
+                <a:spcPct val="0"/>
+              </a:spcBef>
+              <a:spcAft>
+                <a:spcPct val="0"/>
+              </a:spcAft>
+            </a:pPr>
+            <a:r>
+              <a:rPr sz="1600" b="0" i="0">
+                <a:solidFill>
+                  <a:srgbClr val="303141"/>
+                </a:solidFill>
+                <a:latin typeface="var(--font-stack-text)"/>
+                <a:ea typeface="var(--font-stack-text)"/>
+              </a:rPr>
+              <a:t>77. Tutorial 77-Python Module</a:t>
+            </a:r>
+            <a:endParaRPr sz="1600" b="0" i="0">
+              <a:solidFill>
+                <a:srgbClr val="303141"/>
+              </a:solidFill>
+              <a:latin typeface="var(--font-stack-text)"/>
+              <a:ea typeface="var(--font-stack-text)"/>
+            </a:endParaRPr>
+          </a:p>
+          <a:p>
+            <a:pPr marL="0" indent="0">
+              <a:spcBef>
+                <a:spcPct val="0"/>
+              </a:spcBef>
+              <a:spcAft>
+                <a:spcPct val="0"/>
+              </a:spcAft>
+            </a:pPr>
+            <a:r>
+              <a:rPr sz="1600" b="0" i="0">
+                <a:solidFill>
+                  <a:srgbClr val="303141"/>
+                </a:solidFill>
+                <a:latin typeface="var(--font-stack-text)"/>
+                <a:ea typeface="var(--font-stack-text)"/>
+              </a:rPr>
+              <a:t>78. Tutorial 78-Executing Module as Script</a:t>
+            </a:r>
+            <a:endParaRPr sz="1600" b="0" i="0">
+              <a:solidFill>
+                <a:srgbClr val="303141"/>
+              </a:solidFill>
+              <a:latin typeface="var(--font-stack-text)"/>
+              <a:ea typeface="var(--font-stack-text)"/>
+            </a:endParaRPr>
+          </a:p>
+          <a:p>
+            <a:pPr marL="0" indent="0">
+              <a:spcBef>
+                <a:spcPct val="0"/>
+              </a:spcBef>
+              <a:spcAft>
+                <a:spcPct val="0"/>
+              </a:spcAft>
+            </a:pPr>
+            <a:r>
+              <a:rPr sz="1600" b="0" i="0">
+                <a:solidFill>
+                  <a:srgbClr val="303141"/>
+                </a:solidFill>
+                <a:latin typeface="var(--font-stack-text)"/>
+                <a:ea typeface="var(--font-stack-text)"/>
+              </a:rPr>
+              <a:t>79. Tutorial 79-Python Loading Modules</a:t>
+            </a:r>
+            <a:endParaRPr sz="1600" b="0" i="0">
+              <a:solidFill>
+                <a:srgbClr val="303141"/>
+              </a:solidFill>
+              <a:latin typeface="var(--font-stack-text)"/>
+              <a:ea typeface="var(--font-stack-text)"/>
+            </a:endParaRPr>
+          </a:p>
+          <a:p>
+            <a:pPr marL="0" indent="0">
+              <a:spcBef>
+                <a:spcPct val="0"/>
+              </a:spcBef>
+              <a:spcAft>
+                <a:spcPct val="0"/>
+              </a:spcAft>
+            </a:pPr>
+            <a:r>
+              <a:rPr sz="1600" b="0" i="0">
+                <a:solidFill>
+                  <a:srgbClr val="303141"/>
+                </a:solidFill>
+                <a:latin typeface="var(--font-stack-text)"/>
+                <a:ea typeface="var(--font-stack-text)"/>
+              </a:rPr>
+              <a:t>80. Tutorial 80-Namespace And Scoping</a:t>
+            </a:r>
+            <a:endParaRPr sz="1600" b="0" i="0">
+              <a:solidFill>
+                <a:srgbClr val="303141"/>
+              </a:solidFill>
+              <a:latin typeface="var(--font-stack-text)"/>
+              <a:ea typeface="var(--font-stack-text)"/>
+            </a:endParaRPr>
+          </a:p>
+          <a:p>
+            <a:pPr marL="0" indent="0">
+              <a:spcBef>
+                <a:spcPct val="0"/>
+              </a:spcBef>
+              <a:spcAft>
+                <a:spcPct val="0"/>
+              </a:spcAft>
+            </a:pPr>
+            <a:r>
+              <a:rPr sz="1600" b="0" i="0">
+                <a:solidFill>
+                  <a:srgbClr val="303141"/>
+                </a:solidFill>
+                <a:latin typeface="var(--font-stack-text)"/>
+                <a:ea typeface="var(--font-stack-text)"/>
+              </a:rPr>
+              <a:t>81. Tutorial 81- Packages in python</a:t>
+            </a:r>
+            <a:endParaRPr sz="1600" b="0" i="0">
+              <a:solidFill>
+                <a:srgbClr val="303141"/>
+              </a:solidFill>
+              <a:latin typeface="var(--font-stack-text)"/>
+              <a:ea typeface="var(--font-stack-text)"/>
+            </a:endParaRPr>
+          </a:p>
+          <a:p>
+            <a:pPr marL="0" indent="0">
+              <a:spcBef>
+                <a:spcPct val="0"/>
+              </a:spcBef>
+              <a:spcAft>
+                <a:spcPct val="0"/>
+              </a:spcAft>
+            </a:pPr>
+            <a:endParaRPr sz="1600" b="0" i="0">
+              <a:solidFill>
+                <a:srgbClr val="303141"/>
+              </a:solidFill>
+              <a:latin typeface="var(--font-stack-text)"/>
+              <a:ea typeface="var(--font-stack-text)"/>
+            </a:endParaRPr>
+          </a:p>
+        </p:txBody>
+      </p:sp>
+      <p:sp>
+        <p:nvSpPr>
+          <p:cNvPr id="7" name="Text Box 6"/>
+          <p:cNvSpPr txBox="1"/>
+          <p:nvPr/>
+        </p:nvSpPr>
+        <p:spPr>
+          <a:xfrm>
+            <a:off x="5647690" y="823595"/>
+            <a:ext cx="4294505" cy="5908040"/>
+          </a:xfrm>
+          <a:prstGeom prst="rect">
+            <a:avLst/>
+          </a:prstGeom>
+          <a:noFill/>
+        </p:spPr>
+        <p:txBody>
+          <a:bodyPr wrap="square" rtlCol="0">
+            <a:spAutoFit/>
+          </a:bodyPr>
+          <a:p>
+            <a:r>
+              <a:rPr lang="en-US"/>
+              <a:t>Logging</a:t>
+            </a:r>
+            <a:endParaRPr lang="en-US"/>
+          </a:p>
+          <a:p>
+            <a:r>
+              <a:rPr lang="en-US"/>
+              <a:t>mysql connector</a:t>
+            </a:r>
+            <a:endParaRPr lang="en-US"/>
+          </a:p>
+          <a:p>
+            <a:r>
+              <a:rPr lang="en-US"/>
+              <a:t>sql lite</a:t>
+            </a:r>
+            <a:endParaRPr lang="en-US"/>
+          </a:p>
+          <a:p>
+            <a:r>
+              <a:rPr lang="en-US"/>
+              <a:t>sqlalchemy</a:t>
+            </a:r>
+            <a:endParaRPr lang="en-US"/>
+          </a:p>
+          <a:p>
+            <a:r>
+              <a:rPr lang="en-US"/>
+              <a:t>pymongodb</a:t>
+            </a:r>
+            <a:endParaRPr lang="en-US"/>
+          </a:p>
+          <a:p>
+            <a:r>
+              <a:rPr lang="en-US"/>
+              <a:t>Pipelines </a:t>
+            </a:r>
+            <a:endParaRPr lang="en-US"/>
+          </a:p>
+          <a:p>
+            <a:r>
+              <a:rPr lang="en-US"/>
+              <a:t>os </a:t>
+            </a:r>
+            <a:endParaRPr lang="en-US"/>
+          </a:p>
+          <a:p>
+            <a:r>
+              <a:rPr lang="en-US"/>
+              <a:t>sys</a:t>
+            </a:r>
+            <a:endParaRPr lang="en-US"/>
+          </a:p>
+          <a:p>
+            <a:r>
+              <a:rPr lang="en-US"/>
+              <a:t>frozen set</a:t>
+            </a:r>
+            <a:endParaRPr lang="en-US"/>
+          </a:p>
+          <a:p>
+            <a:r>
+              <a:rPr lang="en-US"/>
+              <a:t>ms- excel file read</a:t>
+            </a:r>
+            <a:endParaRPr lang="en-US"/>
+          </a:p>
+          <a:p>
+            <a:r>
+              <a:rPr lang="en-US"/>
+              <a:t>functions : zip ,map,reduce,filters,any, chr,ord, sorted,global, local,all</a:t>
+            </a:r>
+            <a:endParaRPr lang="en-US"/>
+          </a:p>
+          <a:p>
+            <a:r>
+              <a:rPr lang="en-US"/>
+              <a:t>reading pdf</a:t>
+            </a:r>
+            <a:endParaRPr lang="en-US"/>
+          </a:p>
+          <a:p>
+            <a:r>
+              <a:rPr lang="en-US"/>
+              <a:t>call by value call by reference, passing args by value or pass by regerence</a:t>
+            </a:r>
+            <a:endParaRPr lang="en-US"/>
+          </a:p>
+          <a:p>
+            <a:endParaRPr lang="en-US"/>
+          </a:p>
+          <a:p>
+            <a:r>
+              <a:rPr lang="en-US"/>
+              <a:t>create modules</a:t>
+            </a:r>
+            <a:endParaRPr lang="en-US"/>
+          </a:p>
+          <a:p>
+            <a:r>
+              <a:rPr lang="en-US"/>
+              <a:t>create packeges</a:t>
+            </a:r>
+            <a:endParaRPr lang="en-US"/>
+          </a:p>
+          <a:p>
+            <a:r>
+              <a:rPr lang="en-US"/>
+              <a:t>create exe file</a:t>
+            </a:r>
+            <a:endParaRPr lang="en-US"/>
+          </a:p>
+          <a:p>
+            <a:r>
+              <a:rPr lang="en-US"/>
+              <a:t>create python script file</a:t>
+            </a:r>
+            <a:endParaRPr lang="en-US"/>
+          </a:p>
+          <a:p>
+            <a:endParaRPr lang="en-US"/>
+          </a:p>
+        </p:txBody>
       </p:sp>
     </p:spTree>
   </p:cSld>

--- a/5.0_python_6.libraries/module_5_python_beg_to_advance.pptx
+++ b/5.0_python_6.libraries/module_5_python_beg_to_advance.pptx
@@ -7,18 +7,20 @@
   <p:sldIdLst>
     <p:sldId id="257" r:id="rId3"/>
     <p:sldId id="324" r:id="rId4"/>
-    <p:sldId id="339" r:id="rId5"/>
-    <p:sldId id="329" r:id="rId6"/>
-    <p:sldId id="330" r:id="rId7"/>
-    <p:sldId id="331" r:id="rId8"/>
-    <p:sldId id="332" r:id="rId9"/>
-    <p:sldId id="333" r:id="rId10"/>
-    <p:sldId id="334" r:id="rId11"/>
-    <p:sldId id="335" r:id="rId12"/>
-    <p:sldId id="336" r:id="rId13"/>
-    <p:sldId id="328" r:id="rId14"/>
-    <p:sldId id="258" r:id="rId15"/>
-    <p:sldId id="340" r:id="rId16"/>
+    <p:sldId id="342" r:id="rId5"/>
+    <p:sldId id="339" r:id="rId6"/>
+    <p:sldId id="341" r:id="rId7"/>
+    <p:sldId id="329" r:id="rId8"/>
+    <p:sldId id="330" r:id="rId9"/>
+    <p:sldId id="331" r:id="rId10"/>
+    <p:sldId id="332" r:id="rId11"/>
+    <p:sldId id="333" r:id="rId12"/>
+    <p:sldId id="334" r:id="rId13"/>
+    <p:sldId id="335" r:id="rId14"/>
+    <p:sldId id="336" r:id="rId15"/>
+    <p:sldId id="328" r:id="rId16"/>
+    <p:sldId id="258" r:id="rId17"/>
+    <p:sldId id="340" r:id="rId18"/>
   </p:sldIdLst>
   <p:sldSz cx="12192000" cy="6858000"/>
   <p:notesSz cx="6858000" cy="9144000"/>
@@ -3677,8 +3679,8 @@
         </p:nvSpPr>
         <p:spPr>
           <a:xfrm>
-            <a:off x="367030" y="160973"/>
-            <a:ext cx="5080000" cy="3043555"/>
+            <a:off x="294005" y="216535"/>
+            <a:ext cx="5080000" cy="3289300"/>
           </a:xfrm>
           <a:prstGeom prst="rect">
             <a:avLst/>
@@ -3706,7 +3708,7 @@
                 <a:ea typeface="Times New Roman" panose="02020603050405020304"/>
                 <a:hlinkClick r:id="rId1"/>
               </a:rPr>
-              <a:t>File Handling</a:t>
+              <a:t>Function and Modules</a:t>
             </a:r>
             <a:endParaRPr sz="2600" b="0" u="sng">
               <a:solidFill>
@@ -3745,7 +3747,7 @@
                 <a:ea typeface="Times New Roman" panose="02020603050405020304"/>
                 <a:hlinkClick r:id="rId2" tooltip="Add sub topic content"/>
               </a:rPr>
-              <a:t>What is file Handling</a:t>
+              <a:t>Defining and calling function</a:t>
             </a:r>
             <a:endParaRPr sz="1600" u="sng">
               <a:solidFill>
@@ -3774,7 +3776,7 @@
                 <a:ea typeface="Times New Roman" panose="02020603050405020304"/>
                 <a:hlinkClick r:id="rId3" tooltip="Add sub topic content"/>
               </a:rPr>
-              <a:t>Different Modes to Open File</a:t>
+              <a:t>return statement</a:t>
             </a:r>
             <a:r>
               <a:rPr sz="1600">
@@ -3812,7 +3814,7 @@
                 <a:ea typeface="Times New Roman" panose="02020603050405020304"/>
                 <a:hlinkClick r:id="rId4" tooltip="Add sub topic content"/>
               </a:rPr>
-              <a:t>Opening Files in Python</a:t>
+              <a:t>Types of Argument-default,variable length</a:t>
             </a:r>
             <a:r>
               <a:rPr sz="1600">
@@ -3850,7 +3852,7 @@
                 <a:ea typeface="Times New Roman" panose="02020603050405020304"/>
                 <a:hlinkClick r:id="rId5" tooltip="Add sub topic content"/>
               </a:rPr>
-              <a:t>Reading Files in Python -Read,Readline ,Readlines</a:t>
+              <a:t>Variable Scope - Global vs Local</a:t>
             </a:r>
             <a:r>
               <a:rPr sz="1600">
@@ -3860,7 +3862,7 @@
                 <a:latin typeface="Arial" panose="020B0604020202020204"/>
                 <a:ea typeface="Times New Roman" panose="02020603050405020304"/>
               </a:rPr>
-              <a:t> </a:t>
+              <a:t>  </a:t>
             </a:r>
             <a:endParaRPr sz="1600">
               <a:solidFill>
@@ -3888,7 +3890,7 @@
                 <a:ea typeface="Times New Roman" panose="02020603050405020304"/>
                 <a:hlinkClick r:id="rId6" tooltip="Add sub topic content"/>
               </a:rPr>
-              <a:t>Writing to the Files in Python -Write ,Writelines</a:t>
+              <a:t>Recursive function</a:t>
             </a:r>
             <a:r>
               <a:rPr sz="1600">
@@ -3926,7 +3928,7 @@
                 <a:ea typeface="Times New Roman" panose="02020603050405020304"/>
                 <a:hlinkClick r:id="rId7" tooltip="Add sub topic content"/>
               </a:rPr>
-              <a:t>Closing Files in Python</a:t>
+              <a:t>Lambda, filter, map, reduce</a:t>
             </a:r>
             <a:r>
               <a:rPr sz="1600">
@@ -3936,7 +3938,7 @@
                 <a:latin typeface="Arial" panose="020B0604020202020204"/>
                 <a:ea typeface="Times New Roman" panose="02020603050405020304"/>
               </a:rPr>
-              <a:t>  </a:t>
+              <a:t> </a:t>
             </a:r>
             <a:endParaRPr sz="1600">
               <a:solidFill>
@@ -3964,7 +3966,7 @@
                 <a:ea typeface="Times New Roman" panose="02020603050405020304"/>
                 <a:hlinkClick r:id="rId8" tooltip="Add sub topic content"/>
               </a:rPr>
-              <a:t>Working with file pointers - Seek ,Tell</a:t>
+              <a:t>Need of Module</a:t>
             </a:r>
             <a:r>
               <a:rPr sz="1600">
@@ -4002,7 +4004,7 @@
                 <a:ea typeface="Times New Roman" panose="02020603050405020304"/>
                 <a:hlinkClick r:id="rId9" tooltip="Add sub topic content"/>
               </a:rPr>
-              <a:t>Pickling &amp; Unpickling</a:t>
+              <a:t>What is module</a:t>
             </a:r>
             <a:r>
               <a:rPr sz="1600">
@@ -4040,7 +4042,7 @@
                 <a:ea typeface="Times New Roman" panose="02020603050405020304"/>
                 <a:hlinkClick r:id="rId10" tooltip="Add sub topic content"/>
               </a:rPr>
-              <a:t>Exception Handling[try,except,finally)</a:t>
+              <a:t>Built in Module</a:t>
             </a:r>
             <a:r>
               <a:rPr sz="1600">
@@ -4050,7 +4052,7 @@
                 <a:latin typeface="Arial" panose="020B0604020202020204"/>
                 <a:ea typeface="Times New Roman" panose="02020603050405020304"/>
               </a:rPr>
-              <a:t>  </a:t>
+              <a:t> </a:t>
             </a:r>
             <a:endParaRPr sz="1600">
               <a:solidFill>
@@ -4077,6 +4079,44 @@
                 <a:latin typeface="Arial" panose="020B0604020202020204"/>
                 <a:ea typeface="Times New Roman" panose="02020603050405020304"/>
                 <a:hlinkClick r:id="rId11" tooltip="Add sub topic content"/>
+              </a:rPr>
+              <a:t>User defined Module</a:t>
+            </a:r>
+            <a:r>
+              <a:rPr sz="1600">
+                <a:solidFill>
+                  <a:srgbClr val="333333"/>
+                </a:solidFill>
+                <a:latin typeface="Arial" panose="020B0604020202020204"/>
+                <a:ea typeface="Times New Roman" panose="02020603050405020304"/>
+              </a:rPr>
+              <a:t> </a:t>
+            </a:r>
+            <a:endParaRPr sz="1600">
+              <a:solidFill>
+                <a:srgbClr val="333333"/>
+              </a:solidFill>
+              <a:latin typeface="Arial" panose="020B0604020202020204"/>
+              <a:ea typeface="Times New Roman" panose="02020603050405020304"/>
+            </a:endParaRPr>
+          </a:p>
+          <a:p>
+            <a:pPr defTabSz="266700">
+              <a:spcBef>
+                <a:spcPct val="0"/>
+              </a:spcBef>
+              <a:spcAft>
+                <a:spcPct val="0"/>
+              </a:spcAft>
+            </a:pPr>
+            <a:r>
+              <a:rPr sz="1600" u="sng">
+                <a:solidFill>
+                  <a:srgbClr val="0000FF"/>
+                </a:solidFill>
+                <a:latin typeface="Arial" panose="020B0604020202020204"/>
+                <a:ea typeface="Times New Roman" panose="02020603050405020304"/>
+                <a:hlinkClick r:id="rId12" tooltip="Add sub topic content"/>
               </a:rPr>
               <a:t>Assignment</a:t>
             </a:r>
@@ -4108,8 +4148,8 @@
         </p:nvSpPr>
         <p:spPr>
           <a:xfrm>
-            <a:off x="581025" y="3613150"/>
-            <a:ext cx="6096000" cy="368300"/>
+            <a:off x="294005" y="3613150"/>
+            <a:ext cx="6096000" cy="645160"/>
           </a:xfrm>
           <a:prstGeom prst="rect">
             <a:avLst/>
@@ -4131,6 +4171,15 @@
               </a:rPr>
               <a:t>https://www.tutorialspoint.com/python/index.htm</a:t>
             </a:r>
+            <a:endParaRPr lang="en-US">
+              <a:sym typeface="+mn-ea"/>
+            </a:endParaRPr>
+          </a:p>
+          <a:p>
+            <a:pPr indent="0">
+              <a:buFont typeface="Arial" panose="020B0604020202020204" pitchFamily="34" charset="0"/>
+              <a:buNone/>
+            </a:pPr>
             <a:endParaRPr lang="en-US">
               <a:sym typeface="+mn-ea"/>
             </a:endParaRPr>
@@ -4163,15 +4212,15 @@
         </p:nvSpPr>
         <p:spPr>
           <a:xfrm>
-            <a:off x="676910" y="341630"/>
-            <a:ext cx="5080000" cy="2792730"/>
+            <a:off x="357505" y="258445"/>
+            <a:ext cx="7034530" cy="2550795"/>
           </a:xfrm>
           <a:prstGeom prst="rect">
             <a:avLst/>
           </a:prstGeom>
         </p:spPr>
         <p:txBody>
-          <a:bodyPr>
+          <a:bodyPr wrap="square">
             <a:spAutoFit/>
           </a:bodyPr>
           <a:p>
@@ -4192,7 +4241,7 @@
                 <a:ea typeface="Times New Roman" panose="02020603050405020304"/>
                 <a:hlinkClick r:id="rId1"/>
               </a:rPr>
-              <a:t>Regular Expression &amp; WebScraping</a:t>
+              <a:t>Object Oriented Programming</a:t>
             </a:r>
             <a:endParaRPr sz="2600" b="0" u="sng">
               <a:solidFill>
@@ -4231,7 +4280,7 @@
                 <a:ea typeface="Times New Roman" panose="02020603050405020304"/>
                 <a:hlinkClick r:id="rId2" tooltip="Add sub topic content"/>
               </a:rPr>
-              <a:t>Regular Expression &amp; WebScraping</a:t>
+              <a:t>What are the feature of OOPs</a:t>
             </a:r>
             <a:endParaRPr sz="1600" u="sng">
               <a:solidFill>
@@ -4260,7 +4309,7 @@
                 <a:ea typeface="Times New Roman" panose="02020603050405020304"/>
                 <a:hlinkClick r:id="rId3" tooltip="Add sub topic content"/>
               </a:rPr>
-              <a:t>Character Class in Regular Expression</a:t>
+              <a:t>What is Class, Attributes &amp; Methods</a:t>
             </a:r>
             <a:r>
               <a:rPr sz="1600">
@@ -4298,7 +4347,7 @@
                 <a:ea typeface="Times New Roman" panose="02020603050405020304"/>
                 <a:hlinkClick r:id="rId4" tooltip="Add sub topic content"/>
               </a:rPr>
-              <a:t>WebScraping using request &amp; beautifulSoup</a:t>
+              <a:t>What is Constructor and Destructor ?</a:t>
             </a:r>
             <a:r>
               <a:rPr sz="1600">
@@ -4336,7 +4385,7 @@
                 <a:ea typeface="Times New Roman" panose="02020603050405020304"/>
                 <a:hlinkClick r:id="rId5" tooltip="Add sub topic content"/>
               </a:rPr>
-              <a:t>Assignment</a:t>
+              <a:t>What is Inheritance</a:t>
             </a:r>
             <a:r>
               <a:rPr sz="1600">
@@ -4358,62 +4407,136 @@
           </a:p>
           <a:p>
             <a:pPr defTabSz="266700">
-              <a:lnSpc>
-                <a:spcPct val="107000"/>
-              </a:lnSpc>
-              <a:spcAft>
-                <a:spcPts val="800"/>
-              </a:spcAft>
-            </a:pPr>
-            <a:r>
-              <a:rPr>
-                <a:latin typeface="Calibri" panose="020F0502020204030204"/>
-                <a:ea typeface="Calibri" panose="020F0502020204030204"/>
+              <a:spcBef>
+                <a:spcPct val="0"/>
+              </a:spcBef>
+              <a:spcAft>
+                <a:spcPct val="0"/>
+              </a:spcAft>
+            </a:pPr>
+            <a:r>
+              <a:rPr sz="1600" u="sng">
+                <a:solidFill>
+                  <a:srgbClr val="0000FF"/>
+                </a:solidFill>
+                <a:latin typeface="Arial" panose="020B0604020202020204"/>
+                <a:ea typeface="Times New Roman" panose="02020603050405020304"/>
+                <a:hlinkClick r:id="rId6" tooltip="Add sub topic content"/>
+              </a:rPr>
+              <a:t>Data Abstraction</a:t>
+            </a:r>
+            <a:r>
+              <a:rPr sz="1600">
+                <a:solidFill>
+                  <a:srgbClr val="333333"/>
+                </a:solidFill>
+                <a:latin typeface="Arial" panose="020B0604020202020204"/>
+                <a:ea typeface="Times New Roman" panose="02020603050405020304"/>
               </a:rPr>
               <a:t> </a:t>
             </a:r>
-            <a:endParaRPr>
-              <a:latin typeface="Calibri" panose="020F0502020204030204"/>
-              <a:ea typeface="Calibri" panose="020F0502020204030204"/>
+            <a:endParaRPr sz="1600">
+              <a:solidFill>
+                <a:srgbClr val="333333"/>
+              </a:solidFill>
+              <a:latin typeface="Arial" panose="020B0604020202020204"/>
+              <a:ea typeface="Times New Roman" panose="02020603050405020304"/>
             </a:endParaRPr>
           </a:p>
           <a:p>
             <a:pPr defTabSz="266700">
-              <a:lnSpc>
-                <a:spcPct val="107000"/>
-              </a:lnSpc>
-              <a:spcAft>
-                <a:spcPts val="800"/>
-              </a:spcAft>
-            </a:pPr>
-            <a:r>
-              <a:rPr sz="2600" b="0">
+              <a:spcBef>
+                <a:spcPct val="0"/>
+              </a:spcBef>
+              <a:spcAft>
+                <a:spcPct val="0"/>
+              </a:spcAft>
+            </a:pPr>
+            <a:r>
+              <a:rPr sz="1600" u="sng">
+                <a:solidFill>
+                  <a:srgbClr val="0000FF"/>
+                </a:solidFill>
+                <a:latin typeface="Arial" panose="020B0604020202020204"/>
+                <a:ea typeface="Times New Roman" panose="02020603050405020304"/>
+                <a:hlinkClick r:id="rId7" tooltip="Add sub topic content"/>
+              </a:rPr>
+              <a:t>What is Polymorphism</a:t>
+            </a:r>
+            <a:r>
+              <a:rPr sz="1600">
                 <a:solidFill>
                   <a:srgbClr val="333333"/>
                 </a:solidFill>
                 <a:latin typeface="Arial" panose="020B0604020202020204"/>
-                <a:ea typeface="Calibri" panose="020F0502020204030204"/>
+                <a:ea typeface="Times New Roman" panose="02020603050405020304"/>
               </a:rPr>
               <a:t> </a:t>
             </a:r>
-            <a:r>
-              <a:rPr sz="2600" b="0" u="sng">
-                <a:solidFill>
-                  <a:srgbClr val="0000FF"/>
-                </a:solidFill>
-                <a:latin typeface="Arial" panose="020B0604020202020204"/>
-                <a:ea typeface="Calibri" panose="020F0502020204030204"/>
-                <a:hlinkClick r:id="rId6"/>
-              </a:rPr>
-              <a:t>Python Final Assessment</a:t>
-            </a:r>
-            <a:endParaRPr sz="2600" b="0" u="sng">
-              <a:solidFill>
-                <a:srgbClr val="0000FF"/>
+            <a:endParaRPr sz="1600">
+              <a:solidFill>
+                <a:srgbClr val="333333"/>
               </a:solidFill>
               <a:latin typeface="Arial" panose="020B0604020202020204"/>
-              <a:ea typeface="Calibri" panose="020F0502020204030204"/>
-              <a:hlinkClick r:id="rId6"/>
+              <a:ea typeface="Times New Roman" panose="02020603050405020304"/>
+            </a:endParaRPr>
+          </a:p>
+          <a:p>
+            <a:pPr defTabSz="266700">
+              <a:spcBef>
+                <a:spcPct val="0"/>
+              </a:spcBef>
+              <a:spcAft>
+                <a:spcPct val="0"/>
+              </a:spcAft>
+            </a:pPr>
+            <a:r>
+              <a:rPr sz="1600" u="sng">
+                <a:solidFill>
+                  <a:srgbClr val="347C37"/>
+                </a:solidFill>
+                <a:latin typeface="Arial" panose="020B0604020202020204"/>
+                <a:ea typeface="Times New Roman" panose="02020603050405020304"/>
+                <a:hlinkClick r:id="rId8" tooltip="Add sub topic content"/>
+              </a:rPr>
+              <a:t>Assignment</a:t>
+            </a:r>
+            <a:endParaRPr sz="1600" u="sng">
+              <a:solidFill>
+                <a:srgbClr val="347C37"/>
+              </a:solidFill>
+              <a:latin typeface="Arial" panose="020B0604020202020204"/>
+              <a:ea typeface="Times New Roman" panose="02020603050405020304"/>
+              <a:hlinkClick r:id="rId8" tooltip="Add sub topic content"/>
+            </a:endParaRPr>
+          </a:p>
+          <a:p>
+            <a:pPr defTabSz="266700">
+              <a:spcBef>
+                <a:spcPct val="0"/>
+              </a:spcBef>
+              <a:spcAft>
+                <a:spcPct val="0"/>
+              </a:spcAft>
+            </a:pPr>
+            <a:r>
+              <a:rPr lang="en-US" sz="1600" u="sng">
+                <a:solidFill>
+                  <a:srgbClr val="347C37"/>
+                </a:solidFill>
+                <a:latin typeface="Arial" panose="020B0604020202020204"/>
+                <a:ea typeface="Times New Roman" panose="02020603050405020304"/>
+                <a:hlinkClick r:id="rId8" tooltip="Add sub topic content"/>
+              </a:rPr>
+              <a:t>python overloading (function overloading, operator overloading)</a:t>
+            </a:r>
+            <a:endParaRPr lang="en-US" sz="1600" u="sng">
+              <a:solidFill>
+                <a:srgbClr val="347C37"/>
+              </a:solidFill>
+              <a:latin typeface="Arial" panose="020B0604020202020204"/>
+              <a:ea typeface="Times New Roman" panose="02020603050405020304"/>
+              <a:hlinkClick r:id="rId8" tooltip="Add sub topic content"/>
             </a:endParaRPr>
           </a:p>
         </p:txBody>
@@ -4426,8 +4549,8 @@
         </p:nvSpPr>
         <p:spPr>
           <a:xfrm>
-            <a:off x="3048000" y="3244850"/>
-            <a:ext cx="6096000" cy="460375"/>
+            <a:off x="402590" y="3429000"/>
+            <a:ext cx="6096000" cy="368300"/>
           </a:xfrm>
           <a:prstGeom prst="rect">
             <a:avLst/>
@@ -4444,12 +4567,12 @@
               <a:buChar char="•"/>
             </a:pPr>
             <a:r>
-              <a:rPr lang="en-US" sz="2400" b="1">
+              <a:rPr lang="en-US">
                 <a:sym typeface="+mn-ea"/>
               </a:rPr>
-              <a:t>from notebook</a:t>
-            </a:r>
-            <a:endParaRPr lang="en-US" sz="2400" b="1">
+              <a:t>https://www.tutorialspoint.com/python/index.htm</a:t>
+            </a:r>
+            <a:endParaRPr lang="en-US">
               <a:sym typeface="+mn-ea"/>
             </a:endParaRPr>
           </a:p>
@@ -4481,6 +4604,810 @@
         </p:nvSpPr>
         <p:spPr>
           <a:xfrm>
+            <a:off x="367030" y="160973"/>
+            <a:ext cx="5080000" cy="3043555"/>
+          </a:xfrm>
+          <a:prstGeom prst="rect">
+            <a:avLst/>
+          </a:prstGeom>
+        </p:spPr>
+        <p:txBody>
+          <a:bodyPr>
+            <a:spAutoFit/>
+          </a:bodyPr>
+          <a:p>
+            <a:pPr defTabSz="266700">
+              <a:spcBef>
+                <a:spcPts val="1500"/>
+              </a:spcBef>
+              <a:spcAft>
+                <a:spcPts val="700"/>
+              </a:spcAft>
+            </a:pPr>
+            <a:r>
+              <a:rPr sz="2600" b="0" u="sng">
+                <a:solidFill>
+                  <a:srgbClr val="1E88E5"/>
+                </a:solidFill>
+                <a:latin typeface="Arial" panose="020B0604020202020204"/>
+                <a:ea typeface="Times New Roman" panose="02020603050405020304"/>
+                <a:hlinkClick r:id="rId1"/>
+              </a:rPr>
+              <a:t>File Handling</a:t>
+            </a:r>
+            <a:endParaRPr sz="2600" b="0" u="sng">
+              <a:solidFill>
+                <a:srgbClr val="1E88E5"/>
+              </a:solidFill>
+              <a:latin typeface="Arial" panose="020B0604020202020204"/>
+              <a:ea typeface="Times New Roman" panose="02020603050405020304"/>
+              <a:hlinkClick r:id="rId1"/>
+            </a:endParaRPr>
+          </a:p>
+          <a:p>
+            <a:pPr defTabSz="266700">
+              <a:spcBef>
+                <a:spcPct val="0"/>
+              </a:spcBef>
+              <a:spcAft>
+                <a:spcPct val="0"/>
+              </a:spcAft>
+            </a:pPr>
+            <a:r>
+              <a:rPr sz="1600">
+                <a:solidFill>
+                  <a:srgbClr val="333333"/>
+                </a:solidFill>
+                <a:latin typeface="Arial" panose="020B0604020202020204"/>
+                <a:ea typeface="Times New Roman" panose="02020603050405020304"/>
+              </a:rPr>
+              <a:t> </a:t>
+            </a:r>
+            <a:r>
+              <a:rPr sz="1600" u="sng">
+                <a:solidFill>
+                  <a:srgbClr val="0000FF"/>
+                </a:solidFill>
+                <a:latin typeface="Arial" panose="020B0604020202020204"/>
+                <a:ea typeface="Times New Roman" panose="02020603050405020304"/>
+                <a:hlinkClick r:id="rId2" tooltip="Add sub topic content"/>
+              </a:rPr>
+              <a:t>What is file Handling</a:t>
+            </a:r>
+            <a:endParaRPr sz="1600" u="sng">
+              <a:solidFill>
+                <a:srgbClr val="0000FF"/>
+              </a:solidFill>
+              <a:latin typeface="Arial" panose="020B0604020202020204"/>
+              <a:ea typeface="Times New Roman" panose="02020603050405020304"/>
+              <a:hlinkClick r:id="rId2" tooltip="Add sub topic content"/>
+            </a:endParaRPr>
+          </a:p>
+          <a:p>
+            <a:pPr defTabSz="266700">
+              <a:spcBef>
+                <a:spcPct val="0"/>
+              </a:spcBef>
+              <a:spcAft>
+                <a:spcPct val="0"/>
+              </a:spcAft>
+            </a:pPr>
+            <a:r>
+              <a:rPr sz="1600" u="sng">
+                <a:solidFill>
+                  <a:srgbClr val="0000FF"/>
+                </a:solidFill>
+                <a:latin typeface="Arial" panose="020B0604020202020204"/>
+                <a:ea typeface="Times New Roman" panose="02020603050405020304"/>
+                <a:hlinkClick r:id="rId3" tooltip="Add sub topic content"/>
+              </a:rPr>
+              <a:t>Different Modes to Open File</a:t>
+            </a:r>
+            <a:r>
+              <a:rPr sz="1600">
+                <a:solidFill>
+                  <a:srgbClr val="333333"/>
+                </a:solidFill>
+                <a:latin typeface="Arial" panose="020B0604020202020204"/>
+                <a:ea typeface="Times New Roman" panose="02020603050405020304"/>
+              </a:rPr>
+              <a:t> </a:t>
+            </a:r>
+            <a:endParaRPr sz="1600">
+              <a:solidFill>
+                <a:srgbClr val="333333"/>
+              </a:solidFill>
+              <a:latin typeface="Arial" panose="020B0604020202020204"/>
+              <a:ea typeface="Times New Roman" panose="02020603050405020304"/>
+            </a:endParaRPr>
+          </a:p>
+          <a:p>
+            <a:pPr defTabSz="266700">
+              <a:spcBef>
+                <a:spcPct val="0"/>
+              </a:spcBef>
+              <a:spcAft>
+                <a:spcPct val="0"/>
+              </a:spcAft>
+            </a:pPr>
+            <a:r>
+              <a:rPr sz="1600" u="sng">
+                <a:solidFill>
+                  <a:srgbClr val="0000FF"/>
+                </a:solidFill>
+                <a:latin typeface="Arial" panose="020B0604020202020204"/>
+                <a:ea typeface="Times New Roman" panose="02020603050405020304"/>
+                <a:hlinkClick r:id="rId4" tooltip="Add sub topic content"/>
+              </a:rPr>
+              <a:t>Opening Files in Python</a:t>
+            </a:r>
+            <a:r>
+              <a:rPr sz="1600">
+                <a:solidFill>
+                  <a:srgbClr val="333333"/>
+                </a:solidFill>
+                <a:latin typeface="Arial" panose="020B0604020202020204"/>
+                <a:ea typeface="Times New Roman" panose="02020603050405020304"/>
+              </a:rPr>
+              <a:t> </a:t>
+            </a:r>
+            <a:endParaRPr sz="1600">
+              <a:solidFill>
+                <a:srgbClr val="333333"/>
+              </a:solidFill>
+              <a:latin typeface="Arial" panose="020B0604020202020204"/>
+              <a:ea typeface="Times New Roman" panose="02020603050405020304"/>
+            </a:endParaRPr>
+          </a:p>
+          <a:p>
+            <a:pPr defTabSz="266700">
+              <a:spcBef>
+                <a:spcPct val="0"/>
+              </a:spcBef>
+              <a:spcAft>
+                <a:spcPct val="0"/>
+              </a:spcAft>
+            </a:pPr>
+            <a:r>
+              <a:rPr sz="1600" u="sng">
+                <a:solidFill>
+                  <a:srgbClr val="0000FF"/>
+                </a:solidFill>
+                <a:latin typeface="Arial" panose="020B0604020202020204"/>
+                <a:ea typeface="Times New Roman" panose="02020603050405020304"/>
+                <a:hlinkClick r:id="rId5" tooltip="Add sub topic content"/>
+              </a:rPr>
+              <a:t>Reading Files in Python -Read,Readline ,Readlines</a:t>
+            </a:r>
+            <a:r>
+              <a:rPr sz="1600">
+                <a:solidFill>
+                  <a:srgbClr val="333333"/>
+                </a:solidFill>
+                <a:latin typeface="Arial" panose="020B0604020202020204"/>
+                <a:ea typeface="Times New Roman" panose="02020603050405020304"/>
+              </a:rPr>
+              <a:t> </a:t>
+            </a:r>
+            <a:endParaRPr sz="1600">
+              <a:solidFill>
+                <a:srgbClr val="333333"/>
+              </a:solidFill>
+              <a:latin typeface="Arial" panose="020B0604020202020204"/>
+              <a:ea typeface="Times New Roman" panose="02020603050405020304"/>
+            </a:endParaRPr>
+          </a:p>
+          <a:p>
+            <a:pPr defTabSz="266700">
+              <a:spcBef>
+                <a:spcPct val="0"/>
+              </a:spcBef>
+              <a:spcAft>
+                <a:spcPct val="0"/>
+              </a:spcAft>
+            </a:pPr>
+            <a:r>
+              <a:rPr sz="1600" u="sng">
+                <a:solidFill>
+                  <a:srgbClr val="0000FF"/>
+                </a:solidFill>
+                <a:latin typeface="Arial" panose="020B0604020202020204"/>
+                <a:ea typeface="Times New Roman" panose="02020603050405020304"/>
+                <a:hlinkClick r:id="rId6" tooltip="Add sub topic content"/>
+              </a:rPr>
+              <a:t>Writing to the Files in Python -Write ,Writelines</a:t>
+            </a:r>
+            <a:r>
+              <a:rPr sz="1600">
+                <a:solidFill>
+                  <a:srgbClr val="333333"/>
+                </a:solidFill>
+                <a:latin typeface="Arial" panose="020B0604020202020204"/>
+                <a:ea typeface="Times New Roman" panose="02020603050405020304"/>
+              </a:rPr>
+              <a:t> </a:t>
+            </a:r>
+            <a:endParaRPr sz="1600">
+              <a:solidFill>
+                <a:srgbClr val="333333"/>
+              </a:solidFill>
+              <a:latin typeface="Arial" panose="020B0604020202020204"/>
+              <a:ea typeface="Times New Roman" panose="02020603050405020304"/>
+            </a:endParaRPr>
+          </a:p>
+          <a:p>
+            <a:pPr defTabSz="266700">
+              <a:spcBef>
+                <a:spcPct val="0"/>
+              </a:spcBef>
+              <a:spcAft>
+                <a:spcPct val="0"/>
+              </a:spcAft>
+            </a:pPr>
+            <a:r>
+              <a:rPr sz="1600" u="sng">
+                <a:solidFill>
+                  <a:srgbClr val="0000FF"/>
+                </a:solidFill>
+                <a:latin typeface="Arial" panose="020B0604020202020204"/>
+                <a:ea typeface="Times New Roman" panose="02020603050405020304"/>
+                <a:hlinkClick r:id="rId7" tooltip="Add sub topic content"/>
+              </a:rPr>
+              <a:t>Closing Files in Python</a:t>
+            </a:r>
+            <a:r>
+              <a:rPr sz="1600">
+                <a:solidFill>
+                  <a:srgbClr val="333333"/>
+                </a:solidFill>
+                <a:latin typeface="Arial" panose="020B0604020202020204"/>
+                <a:ea typeface="Times New Roman" panose="02020603050405020304"/>
+              </a:rPr>
+              <a:t>  </a:t>
+            </a:r>
+            <a:endParaRPr sz="1600">
+              <a:solidFill>
+                <a:srgbClr val="333333"/>
+              </a:solidFill>
+              <a:latin typeface="Arial" panose="020B0604020202020204"/>
+              <a:ea typeface="Times New Roman" panose="02020603050405020304"/>
+            </a:endParaRPr>
+          </a:p>
+          <a:p>
+            <a:pPr defTabSz="266700">
+              <a:spcBef>
+                <a:spcPct val="0"/>
+              </a:spcBef>
+              <a:spcAft>
+                <a:spcPct val="0"/>
+              </a:spcAft>
+            </a:pPr>
+            <a:r>
+              <a:rPr sz="1600" u="sng">
+                <a:solidFill>
+                  <a:srgbClr val="0000FF"/>
+                </a:solidFill>
+                <a:latin typeface="Arial" panose="020B0604020202020204"/>
+                <a:ea typeface="Times New Roman" panose="02020603050405020304"/>
+                <a:hlinkClick r:id="rId8" tooltip="Add sub topic content"/>
+              </a:rPr>
+              <a:t>Working with file pointers - Seek ,Tell</a:t>
+            </a:r>
+            <a:r>
+              <a:rPr sz="1600">
+                <a:solidFill>
+                  <a:srgbClr val="333333"/>
+                </a:solidFill>
+                <a:latin typeface="Arial" panose="020B0604020202020204"/>
+                <a:ea typeface="Times New Roman" panose="02020603050405020304"/>
+              </a:rPr>
+              <a:t> </a:t>
+            </a:r>
+            <a:endParaRPr sz="1600">
+              <a:solidFill>
+                <a:srgbClr val="333333"/>
+              </a:solidFill>
+              <a:latin typeface="Arial" panose="020B0604020202020204"/>
+              <a:ea typeface="Times New Roman" panose="02020603050405020304"/>
+            </a:endParaRPr>
+          </a:p>
+          <a:p>
+            <a:pPr defTabSz="266700">
+              <a:spcBef>
+                <a:spcPct val="0"/>
+              </a:spcBef>
+              <a:spcAft>
+                <a:spcPct val="0"/>
+              </a:spcAft>
+            </a:pPr>
+            <a:r>
+              <a:rPr sz="1600" u="sng">
+                <a:solidFill>
+                  <a:srgbClr val="0000FF"/>
+                </a:solidFill>
+                <a:latin typeface="Arial" panose="020B0604020202020204"/>
+                <a:ea typeface="Times New Roman" panose="02020603050405020304"/>
+                <a:hlinkClick r:id="rId9" tooltip="Add sub topic content"/>
+              </a:rPr>
+              <a:t>Pickling &amp; Unpickling</a:t>
+            </a:r>
+            <a:r>
+              <a:rPr sz="1600">
+                <a:solidFill>
+                  <a:srgbClr val="333333"/>
+                </a:solidFill>
+                <a:latin typeface="Arial" panose="020B0604020202020204"/>
+                <a:ea typeface="Times New Roman" panose="02020603050405020304"/>
+              </a:rPr>
+              <a:t> </a:t>
+            </a:r>
+            <a:endParaRPr sz="1600">
+              <a:solidFill>
+                <a:srgbClr val="333333"/>
+              </a:solidFill>
+              <a:latin typeface="Arial" panose="020B0604020202020204"/>
+              <a:ea typeface="Times New Roman" panose="02020603050405020304"/>
+            </a:endParaRPr>
+          </a:p>
+          <a:p>
+            <a:pPr defTabSz="266700">
+              <a:spcBef>
+                <a:spcPct val="0"/>
+              </a:spcBef>
+              <a:spcAft>
+                <a:spcPct val="0"/>
+              </a:spcAft>
+            </a:pPr>
+            <a:r>
+              <a:rPr sz="1600" u="sng">
+                <a:solidFill>
+                  <a:srgbClr val="0000FF"/>
+                </a:solidFill>
+                <a:latin typeface="Arial" panose="020B0604020202020204"/>
+                <a:ea typeface="Times New Roman" panose="02020603050405020304"/>
+                <a:hlinkClick r:id="rId10" tooltip="Add sub topic content"/>
+              </a:rPr>
+              <a:t>Exception Handling[try,except,finally)</a:t>
+            </a:r>
+            <a:r>
+              <a:rPr sz="1600">
+                <a:solidFill>
+                  <a:srgbClr val="333333"/>
+                </a:solidFill>
+                <a:latin typeface="Arial" panose="020B0604020202020204"/>
+                <a:ea typeface="Times New Roman" panose="02020603050405020304"/>
+              </a:rPr>
+              <a:t>  </a:t>
+            </a:r>
+            <a:endParaRPr sz="1600">
+              <a:solidFill>
+                <a:srgbClr val="333333"/>
+              </a:solidFill>
+              <a:latin typeface="Arial" panose="020B0604020202020204"/>
+              <a:ea typeface="Times New Roman" panose="02020603050405020304"/>
+            </a:endParaRPr>
+          </a:p>
+          <a:p>
+            <a:pPr defTabSz="266700">
+              <a:spcBef>
+                <a:spcPct val="0"/>
+              </a:spcBef>
+              <a:spcAft>
+                <a:spcPct val="0"/>
+              </a:spcAft>
+            </a:pPr>
+            <a:r>
+              <a:rPr sz="1600" u="sng">
+                <a:solidFill>
+                  <a:srgbClr val="0000FF"/>
+                </a:solidFill>
+                <a:latin typeface="Arial" panose="020B0604020202020204"/>
+                <a:ea typeface="Times New Roman" panose="02020603050405020304"/>
+                <a:hlinkClick r:id="rId11" tooltip="Add sub topic content"/>
+              </a:rPr>
+              <a:t>Assignment</a:t>
+            </a:r>
+            <a:r>
+              <a:rPr sz="1600">
+                <a:solidFill>
+                  <a:srgbClr val="333333"/>
+                </a:solidFill>
+                <a:latin typeface="Arial" panose="020B0604020202020204"/>
+                <a:ea typeface="Times New Roman" panose="02020603050405020304"/>
+              </a:rPr>
+              <a:t> </a:t>
+            </a:r>
+            <a:endParaRPr sz="1600">
+              <a:solidFill>
+                <a:srgbClr val="333333"/>
+              </a:solidFill>
+              <a:latin typeface="Arial" panose="020B0604020202020204"/>
+              <a:ea typeface="Times New Roman" panose="02020603050405020304"/>
+            </a:endParaRPr>
+          </a:p>
+        </p:txBody>
+      </p:sp>
+      <p:sp>
+        <p:nvSpPr>
+          <p:cNvPr id="3" name="Text Box 2"/>
+          <p:cNvSpPr txBox="1"/>
+          <p:nvPr/>
+        </p:nvSpPr>
+        <p:spPr>
+          <a:xfrm>
+            <a:off x="581025" y="3613150"/>
+            <a:ext cx="6096000" cy="368300"/>
+          </a:xfrm>
+          <a:prstGeom prst="rect">
+            <a:avLst/>
+          </a:prstGeom>
+          <a:noFill/>
+        </p:spPr>
+        <p:txBody>
+          <a:bodyPr wrap="square" rtlCol="0" anchor="t">
+            <a:spAutoFit/>
+          </a:bodyPr>
+          <a:p>
+            <a:pPr indent="0">
+              <a:buFont typeface="Arial" panose="020B0604020202020204" pitchFamily="34" charset="0"/>
+              <a:buNone/>
+            </a:pPr>
+            <a:r>
+              <a:rPr lang="en-US">
+                <a:sym typeface="+mn-ea"/>
+              </a:rPr>
+              <a:t>https://www.tutorialspoint.com/python/index.htm</a:t>
+            </a:r>
+            <a:endParaRPr lang="en-US">
+              <a:sym typeface="+mn-ea"/>
+            </a:endParaRPr>
+          </a:p>
+        </p:txBody>
+      </p:sp>
+    </p:spTree>
+  </p:cSld>
+  <p:clrMapOvr>
+    <a:masterClrMapping/>
+  </p:clrMapOvr>
+</p:sld>
+</file>
+
+<file path=ppt/slides/slide13.xml><?xml version="1.0" encoding="utf-8"?>
+<p:sld xmlns:a="http://schemas.openxmlformats.org/drawingml/2006/main" xmlns:r="http://schemas.openxmlformats.org/officeDocument/2006/relationships" xmlns:p="http://schemas.openxmlformats.org/presentationml/2006/main">
+  <p:cSld>
+    <p:spTree>
+      <p:nvGrpSpPr>
+        <p:cNvPr id="1" name=""/>
+        <p:cNvGrpSpPr/>
+        <p:nvPr/>
+      </p:nvGrpSpPr>
+      <p:grpSpPr/>
+      <p:sp>
+        <p:nvSpPr>
+          <p:cNvPr id="2" name="Text Box 1"/>
+          <p:cNvSpPr txBox="1"/>
+          <p:nvPr/>
+        </p:nvSpPr>
+        <p:spPr>
+          <a:xfrm>
+            <a:off x="676910" y="341630"/>
+            <a:ext cx="5080000" cy="2792730"/>
+          </a:xfrm>
+          <a:prstGeom prst="rect">
+            <a:avLst/>
+          </a:prstGeom>
+        </p:spPr>
+        <p:txBody>
+          <a:bodyPr>
+            <a:spAutoFit/>
+          </a:bodyPr>
+          <a:p>
+            <a:pPr defTabSz="266700">
+              <a:spcBef>
+                <a:spcPts val="1500"/>
+              </a:spcBef>
+              <a:spcAft>
+                <a:spcPts val="700"/>
+              </a:spcAft>
+            </a:pPr>
+            <a:r>
+              <a:rPr sz="2600" b="0" u="sng">
+                <a:solidFill>
+                  <a:srgbClr val="1E88E5"/>
+                </a:solidFill>
+                <a:latin typeface="Arial" panose="020B0604020202020204"/>
+                <a:ea typeface="Times New Roman" panose="02020603050405020304"/>
+                <a:hlinkClick r:id="rId1"/>
+              </a:rPr>
+              <a:t>Regular Expression &amp; WebScraping</a:t>
+            </a:r>
+            <a:endParaRPr sz="2600" b="0" u="sng">
+              <a:solidFill>
+                <a:srgbClr val="1E88E5"/>
+              </a:solidFill>
+              <a:latin typeface="Arial" panose="020B0604020202020204"/>
+              <a:ea typeface="Times New Roman" panose="02020603050405020304"/>
+              <a:hlinkClick r:id="rId1"/>
+            </a:endParaRPr>
+          </a:p>
+          <a:p>
+            <a:pPr defTabSz="266700">
+              <a:spcBef>
+                <a:spcPct val="0"/>
+              </a:spcBef>
+              <a:spcAft>
+                <a:spcPct val="0"/>
+              </a:spcAft>
+            </a:pPr>
+            <a:r>
+              <a:rPr sz="1600">
+                <a:solidFill>
+                  <a:srgbClr val="333333"/>
+                </a:solidFill>
+                <a:latin typeface="Arial" panose="020B0604020202020204"/>
+                <a:ea typeface="Times New Roman" panose="02020603050405020304"/>
+              </a:rPr>
+              <a:t> </a:t>
+            </a:r>
+            <a:r>
+              <a:rPr sz="1600" u="sng">
+                <a:solidFill>
+                  <a:srgbClr val="0000FF"/>
+                </a:solidFill>
+                <a:latin typeface="Arial" panose="020B0604020202020204"/>
+                <a:ea typeface="Times New Roman" panose="02020603050405020304"/>
+                <a:hlinkClick r:id="rId2" tooltip="Add sub topic content"/>
+              </a:rPr>
+              <a:t>Regular Expression &amp; WebScraping</a:t>
+            </a:r>
+            <a:endParaRPr sz="1600" u="sng">
+              <a:solidFill>
+                <a:srgbClr val="0000FF"/>
+              </a:solidFill>
+              <a:latin typeface="Arial" panose="020B0604020202020204"/>
+              <a:ea typeface="Times New Roman" panose="02020603050405020304"/>
+              <a:hlinkClick r:id="rId2" tooltip="Add sub topic content"/>
+            </a:endParaRPr>
+          </a:p>
+          <a:p>
+            <a:pPr defTabSz="266700">
+              <a:spcBef>
+                <a:spcPct val="0"/>
+              </a:spcBef>
+              <a:spcAft>
+                <a:spcPct val="0"/>
+              </a:spcAft>
+            </a:pPr>
+            <a:r>
+              <a:rPr sz="1600" u="sng">
+                <a:solidFill>
+                  <a:srgbClr val="0000FF"/>
+                </a:solidFill>
+                <a:latin typeface="Arial" panose="020B0604020202020204"/>
+                <a:ea typeface="Times New Roman" panose="02020603050405020304"/>
+                <a:hlinkClick r:id="rId3" tooltip="Add sub topic content"/>
+              </a:rPr>
+              <a:t>Character Class in Regular Expression</a:t>
+            </a:r>
+            <a:r>
+              <a:rPr sz="1600">
+                <a:solidFill>
+                  <a:srgbClr val="333333"/>
+                </a:solidFill>
+                <a:latin typeface="Arial" panose="020B0604020202020204"/>
+                <a:ea typeface="Times New Roman" panose="02020603050405020304"/>
+              </a:rPr>
+              <a:t> </a:t>
+            </a:r>
+            <a:endParaRPr sz="1600">
+              <a:solidFill>
+                <a:srgbClr val="333333"/>
+              </a:solidFill>
+              <a:latin typeface="Arial" panose="020B0604020202020204"/>
+              <a:ea typeface="Times New Roman" panose="02020603050405020304"/>
+            </a:endParaRPr>
+          </a:p>
+          <a:p>
+            <a:pPr defTabSz="266700">
+              <a:spcBef>
+                <a:spcPct val="0"/>
+              </a:spcBef>
+              <a:spcAft>
+                <a:spcPct val="0"/>
+              </a:spcAft>
+            </a:pPr>
+            <a:r>
+              <a:rPr sz="1600" u="sng">
+                <a:solidFill>
+                  <a:srgbClr val="0000FF"/>
+                </a:solidFill>
+                <a:latin typeface="Arial" panose="020B0604020202020204"/>
+                <a:ea typeface="Times New Roman" panose="02020603050405020304"/>
+                <a:hlinkClick r:id="rId4" tooltip="Add sub topic content"/>
+              </a:rPr>
+              <a:t>WebScraping using request &amp; beautifulSoup</a:t>
+            </a:r>
+            <a:r>
+              <a:rPr sz="1600">
+                <a:solidFill>
+                  <a:srgbClr val="333333"/>
+                </a:solidFill>
+                <a:latin typeface="Arial" panose="020B0604020202020204"/>
+                <a:ea typeface="Times New Roman" panose="02020603050405020304"/>
+              </a:rPr>
+              <a:t> </a:t>
+            </a:r>
+            <a:endParaRPr sz="1600">
+              <a:solidFill>
+                <a:srgbClr val="333333"/>
+              </a:solidFill>
+              <a:latin typeface="Arial" panose="020B0604020202020204"/>
+              <a:ea typeface="Times New Roman" panose="02020603050405020304"/>
+            </a:endParaRPr>
+          </a:p>
+          <a:p>
+            <a:pPr defTabSz="266700">
+              <a:spcBef>
+                <a:spcPct val="0"/>
+              </a:spcBef>
+              <a:spcAft>
+                <a:spcPct val="0"/>
+              </a:spcAft>
+            </a:pPr>
+            <a:r>
+              <a:rPr sz="1600" u="sng">
+                <a:solidFill>
+                  <a:srgbClr val="0000FF"/>
+                </a:solidFill>
+                <a:latin typeface="Arial" panose="020B0604020202020204"/>
+                <a:ea typeface="Times New Roman" panose="02020603050405020304"/>
+                <a:hlinkClick r:id="rId5" tooltip="Add sub topic content"/>
+              </a:rPr>
+              <a:t>Assignment</a:t>
+            </a:r>
+            <a:r>
+              <a:rPr sz="1600">
+                <a:solidFill>
+                  <a:srgbClr val="333333"/>
+                </a:solidFill>
+                <a:latin typeface="Arial" panose="020B0604020202020204"/>
+                <a:ea typeface="Times New Roman" panose="02020603050405020304"/>
+              </a:rPr>
+              <a:t> </a:t>
+            </a:r>
+            <a:endParaRPr sz="1600">
+              <a:solidFill>
+                <a:srgbClr val="333333"/>
+              </a:solidFill>
+              <a:latin typeface="Arial" panose="020B0604020202020204"/>
+              <a:ea typeface="Times New Roman" panose="02020603050405020304"/>
+            </a:endParaRPr>
+          </a:p>
+          <a:p>
+            <a:pPr defTabSz="266700">
+              <a:lnSpc>
+                <a:spcPct val="107000"/>
+              </a:lnSpc>
+              <a:spcAft>
+                <a:spcPts val="800"/>
+              </a:spcAft>
+            </a:pPr>
+            <a:r>
+              <a:rPr>
+                <a:latin typeface="Calibri" panose="020F0502020204030204"/>
+                <a:ea typeface="Calibri" panose="020F0502020204030204"/>
+              </a:rPr>
+              <a:t> </a:t>
+            </a:r>
+            <a:endParaRPr>
+              <a:latin typeface="Calibri" panose="020F0502020204030204"/>
+              <a:ea typeface="Calibri" panose="020F0502020204030204"/>
+            </a:endParaRPr>
+          </a:p>
+          <a:p>
+            <a:pPr defTabSz="266700">
+              <a:lnSpc>
+                <a:spcPct val="107000"/>
+              </a:lnSpc>
+              <a:spcAft>
+                <a:spcPts val="800"/>
+              </a:spcAft>
+            </a:pPr>
+            <a:r>
+              <a:rPr sz="2600" b="0">
+                <a:solidFill>
+                  <a:srgbClr val="333333"/>
+                </a:solidFill>
+                <a:latin typeface="Arial" panose="020B0604020202020204"/>
+                <a:ea typeface="Calibri" panose="020F0502020204030204"/>
+              </a:rPr>
+              <a:t> </a:t>
+            </a:r>
+            <a:r>
+              <a:rPr sz="2600" b="0" u="sng">
+                <a:solidFill>
+                  <a:srgbClr val="0000FF"/>
+                </a:solidFill>
+                <a:latin typeface="Arial" panose="020B0604020202020204"/>
+                <a:ea typeface="Calibri" panose="020F0502020204030204"/>
+                <a:hlinkClick r:id="rId6"/>
+              </a:rPr>
+              <a:t>Python Final Assessment</a:t>
+            </a:r>
+            <a:endParaRPr sz="2600" b="0" u="sng">
+              <a:solidFill>
+                <a:srgbClr val="0000FF"/>
+              </a:solidFill>
+              <a:latin typeface="Arial" panose="020B0604020202020204"/>
+              <a:ea typeface="Calibri" panose="020F0502020204030204"/>
+              <a:hlinkClick r:id="rId6"/>
+            </a:endParaRPr>
+          </a:p>
+        </p:txBody>
+      </p:sp>
+      <p:sp>
+        <p:nvSpPr>
+          <p:cNvPr id="3" name="Text Box 2"/>
+          <p:cNvSpPr txBox="1"/>
+          <p:nvPr/>
+        </p:nvSpPr>
+        <p:spPr>
+          <a:xfrm>
+            <a:off x="3048000" y="3244850"/>
+            <a:ext cx="6096000" cy="460375"/>
+          </a:xfrm>
+          <a:prstGeom prst="rect">
+            <a:avLst/>
+          </a:prstGeom>
+          <a:noFill/>
+        </p:spPr>
+        <p:txBody>
+          <a:bodyPr wrap="square" rtlCol="0" anchor="t">
+            <a:spAutoFit/>
+          </a:bodyPr>
+          <a:p>
+            <a:pPr marL="285750" indent="-285750">
+              <a:buFont typeface="Arial" panose="020B0604020202020204" pitchFamily="34" charset="0"/>
+              <a:buChar char="•"/>
+            </a:pPr>
+            <a:r>
+              <a:rPr lang="en-US" sz="2400" b="1">
+                <a:sym typeface="+mn-ea"/>
+              </a:rPr>
+              <a:t>from notebook</a:t>
+            </a:r>
+            <a:endParaRPr lang="en-US" sz="2400" b="1">
+              <a:sym typeface="+mn-ea"/>
+            </a:endParaRPr>
+          </a:p>
+        </p:txBody>
+      </p:sp>
+    </p:spTree>
+  </p:cSld>
+  <p:clrMapOvr>
+    <a:masterClrMapping/>
+  </p:clrMapOvr>
+</p:sld>
+</file>
+
+<file path=ppt/slides/slide14.xml><?xml version="1.0" encoding="utf-8"?>
+<p:sld xmlns:a="http://schemas.openxmlformats.org/drawingml/2006/main" xmlns:r="http://schemas.openxmlformats.org/officeDocument/2006/relationships" xmlns:p="http://schemas.openxmlformats.org/presentationml/2006/main">
+  <p:cSld>
+    <p:spTree>
+      <p:nvGrpSpPr>
+        <p:cNvPr id="1" name=""/>
+        <p:cNvGrpSpPr/>
+        <p:nvPr/>
+      </p:nvGrpSpPr>
+      <p:grpSpPr/>
+      <p:sp>
+        <p:nvSpPr>
+          <p:cNvPr id="2" name="Text Box 1"/>
+          <p:cNvSpPr txBox="1"/>
+          <p:nvPr/>
+        </p:nvSpPr>
+        <p:spPr>
+          <a:xfrm>
             <a:off x="391160" y="635635"/>
             <a:ext cx="4725035" cy="4661535"/>
           </a:xfrm>
@@ -5442,7 +6369,7 @@
 </p:sld>
 </file>
 
-<file path=ppt/slides/slide13.xml><?xml version="1.0" encoding="utf-8"?>
+<file path=ppt/slides/slide15.xml><?xml version="1.0" encoding="utf-8"?>
 <p:sld xmlns:a="http://schemas.openxmlformats.org/drawingml/2006/main" xmlns:r="http://schemas.openxmlformats.org/officeDocument/2006/relationships" xmlns:p="http://schemas.openxmlformats.org/presentationml/2006/main">
   <p:cSld>
     <p:bg>
@@ -5602,7 +6529,7 @@
 </p:sld>
 </file>
 
-<file path=ppt/slides/slide14.xml><?xml version="1.0" encoding="utf-8"?>
+<file path=ppt/slides/slide16.xml><?xml version="1.0" encoding="utf-8"?>
 <p:sld xmlns:a="http://schemas.openxmlformats.org/drawingml/2006/main" xmlns:r="http://schemas.openxmlformats.org/officeDocument/2006/relationships" xmlns:p="http://schemas.openxmlformats.org/presentationml/2006/main">
   <p:cSld>
     <p:spTree>
@@ -5612,28 +6539,6 @@
         <p:nvPr/>
       </p:nvGrpSpPr>
       <p:grpSpPr/>
-      <p:pic>
-        <p:nvPicPr>
-          <p:cNvPr id="4" name="Picture 3"/>
-          <p:cNvPicPr/>
-          <p:nvPr/>
-        </p:nvPicPr>
-        <p:blipFill>
-          <a:blip r:embed="rId1"/>
-          <a:stretch>
-            <a:fillRect/>
-          </a:stretch>
-        </p:blipFill>
-        <p:spPr>
-          <a:xfrm>
-            <a:off x="3873500" y="-40464104"/>
-            <a:ext cx="4064000" cy="2857500"/>
-          </a:xfrm>
-          <a:prstGeom prst="rect">
-            <a:avLst/>
-          </a:prstGeom>
-        </p:spPr>
-      </p:pic>
       <p:sp>
         <p:nvSpPr>
           <p:cNvPr id="6" name="Text Box 5"/>
@@ -5642,7 +6547,7 @@
         </p:nvSpPr>
         <p:spPr>
           <a:xfrm>
-            <a:off x="221615" y="1179195"/>
+            <a:off x="666115" y="1179195"/>
             <a:ext cx="7715885" cy="1568450"/>
           </a:xfrm>
           <a:prstGeom prst="rect">
@@ -6327,6 +7232,104 @@
           </a:p>
         </p:txBody>
       </p:sp>
+      <p:sp>
+        <p:nvSpPr>
+          <p:cNvPr id="6" name="Text Box 5"/>
+          <p:cNvSpPr txBox="1"/>
+          <p:nvPr/>
+        </p:nvSpPr>
+        <p:spPr>
+          <a:xfrm>
+            <a:off x="8312150" y="1549400"/>
+            <a:ext cx="4064000" cy="3138170"/>
+          </a:xfrm>
+          <a:prstGeom prst="rect">
+            <a:avLst/>
+          </a:prstGeom>
+          <a:noFill/>
+        </p:spPr>
+        <p:txBody>
+          <a:bodyPr wrap="square" rtlCol="0">
+            <a:spAutoFit/>
+          </a:bodyPr>
+          <a:p>
+            <a:r>
+              <a:rPr lang="en-IN" altLang="en-US"/>
+              <a:t>python IDLE</a:t>
+            </a:r>
+            <a:endParaRPr lang="en-IN" altLang="en-US"/>
+          </a:p>
+          <a:p>
+            <a:r>
+              <a:rPr lang="en-IN" altLang="en-US"/>
+              <a:t>CMD</a:t>
+            </a:r>
+            <a:endParaRPr lang="en-IN" altLang="en-US"/>
+          </a:p>
+          <a:p>
+            <a:r>
+              <a:rPr lang="en-IN" altLang="en-US"/>
+              <a:t>Jupyter</a:t>
+            </a:r>
+            <a:endParaRPr lang="en-IN" altLang="en-US"/>
+          </a:p>
+          <a:p>
+            <a:r>
+              <a:rPr lang="en-IN" altLang="en-US"/>
+              <a:t>vscode</a:t>
+            </a:r>
+            <a:endParaRPr lang="en-IN" altLang="en-US"/>
+          </a:p>
+          <a:p>
+            <a:r>
+              <a:rPr lang="en-IN" altLang="en-US"/>
+              <a:t>pycharm</a:t>
+            </a:r>
+            <a:endParaRPr lang="en-IN" altLang="en-US"/>
+          </a:p>
+          <a:p>
+            <a:r>
+              <a:rPr lang="en-IN" altLang="en-US"/>
+              <a:t>sublime</a:t>
+            </a:r>
+            <a:endParaRPr lang="en-IN" altLang="en-US"/>
+          </a:p>
+          <a:p>
+            <a:endParaRPr lang="en-IN" altLang="en-US"/>
+          </a:p>
+          <a:p>
+            <a:r>
+              <a:rPr lang="en-IN" altLang="en-US"/>
+              <a:t>Online</a:t>
+            </a:r>
+            <a:endParaRPr lang="en-IN" altLang="en-US"/>
+          </a:p>
+          <a:p>
+            <a:pPr indent="457200"/>
+            <a:r>
+              <a:rPr lang="en-IN" altLang="en-US"/>
+              <a:t>google colab</a:t>
+            </a:r>
+            <a:endParaRPr lang="en-IN" altLang="en-US"/>
+          </a:p>
+          <a:p>
+            <a:pPr indent="457200"/>
+            <a:r>
+              <a:rPr lang="en-IN" altLang="en-US"/>
+              <a:t>kaggle</a:t>
+            </a:r>
+            <a:endParaRPr lang="en-IN" altLang="en-US"/>
+          </a:p>
+          <a:p>
+            <a:pPr indent="457200"/>
+            <a:r>
+              <a:rPr lang="en-IN" altLang="en-US"/>
+              <a:t>online python editor</a:t>
+            </a:r>
+            <a:endParaRPr lang="en-IN" altLang="en-US"/>
+          </a:p>
+        </p:txBody>
+      </p:sp>
     </p:spTree>
   </p:cSld>
   <p:clrMapOvr>
@@ -6353,8 +7356,110 @@
         </p:nvSpPr>
         <p:spPr>
           <a:xfrm>
-            <a:off x="340360" y="484505"/>
-            <a:ext cx="11490325" cy="4276725"/>
+            <a:off x="6216650" y="9525"/>
+            <a:ext cx="4064000" cy="460375"/>
+          </a:xfrm>
+          <a:prstGeom prst="rect">
+            <a:avLst/>
+          </a:prstGeom>
+          <a:noFill/>
+        </p:spPr>
+        <p:txBody>
+          <a:bodyPr wrap="square" rtlCol="0">
+            <a:spAutoFit/>
+          </a:bodyPr>
+          <a:p>
+            <a:r>
+              <a:rPr lang="en-IN" altLang="en-US" sz="2400" b="1">
+                <a:solidFill>
+                  <a:srgbClr val="FF0000"/>
+                </a:solidFill>
+                <a:effectLst>
+                  <a:outerShdw blurRad="38100" dist="38100" dir="2700000" algn="tl">
+                    <a:srgbClr val="000000">
+                      <a:alpha val="43137"/>
+                    </a:srgbClr>
+                  </a:outerShdw>
+                </a:effectLst>
+              </a:rPr>
+              <a:t> OS Module in python for cmd</a:t>
+            </a:r>
+            <a:endParaRPr lang="en-IN" altLang="en-US" sz="2400" b="1">
+              <a:solidFill>
+                <a:srgbClr val="FF0000"/>
+              </a:solidFill>
+              <a:effectLst>
+                <a:outerShdw blurRad="38100" dist="38100" dir="2700000" algn="tl">
+                  <a:srgbClr val="000000">
+                    <a:alpha val="43137"/>
+                  </a:srgbClr>
+                </a:outerShdw>
+              </a:effectLst>
+            </a:endParaRPr>
+          </a:p>
+        </p:txBody>
+      </p:sp>
+      <p:sp>
+        <p:nvSpPr>
+          <p:cNvPr id="3" name="Text Box 2"/>
+          <p:cNvSpPr txBox="1"/>
+          <p:nvPr/>
+        </p:nvSpPr>
+        <p:spPr>
+          <a:xfrm>
+            <a:off x="952500" y="114300"/>
+            <a:ext cx="4064000" cy="521970"/>
+          </a:xfrm>
+          <a:prstGeom prst="rect">
+            <a:avLst/>
+          </a:prstGeom>
+          <a:noFill/>
+        </p:spPr>
+        <p:txBody>
+          <a:bodyPr wrap="square" rtlCol="0">
+            <a:spAutoFit/>
+          </a:bodyPr>
+          <a:p>
+            <a:r>
+              <a:rPr lang="en-IN" altLang="en-US" sz="2800" b="1">
+                <a:solidFill>
+                  <a:srgbClr val="FF0000"/>
+                </a:solidFill>
+                <a:effectLst>
+                  <a:outerShdw blurRad="38100" dist="38100" dir="2700000" algn="tl">
+                    <a:srgbClr val="000000">
+                      <a:alpha val="43137"/>
+                    </a:srgbClr>
+                  </a:outerShdw>
+                </a:effectLst>
+              </a:rPr>
+              <a:t>Common cmd commands</a:t>
+            </a:r>
+            <a:endParaRPr lang="en-IN" altLang="en-US" sz="2800" b="1">
+              <a:solidFill>
+                <a:srgbClr val="FF0000"/>
+              </a:solidFill>
+              <a:effectLst>
+                <a:outerShdw blurRad="38100" dist="38100" dir="2700000" algn="tl">
+                  <a:srgbClr val="000000">
+                    <a:alpha val="43137"/>
+                  </a:srgbClr>
+                </a:outerShdw>
+              </a:effectLst>
+            </a:endParaRPr>
+          </a:p>
+        </p:txBody>
+      </p:sp>
+      <p:sp>
+        <p:nvSpPr>
+          <p:cNvPr id="4" name="Text Box 3"/>
+          <p:cNvSpPr txBox="1"/>
+          <p:nvPr/>
+        </p:nvSpPr>
+        <p:spPr>
+          <a:xfrm>
+            <a:off x="533400" y="5709920"/>
+            <a:ext cx="9969500" cy="368300"/>
           </a:xfrm>
           <a:prstGeom prst="rect">
             <a:avLst/>
@@ -6367,203 +7472,560 @@
           </a:bodyPr>
           <a:p>
             <a:r>
-              <a:rPr lang="en-US" sz="2000" b="1">
-                <a:sym typeface="+mn-ea"/>
-              </a:rPr>
-              <a:t>Resources</a:t>
-            </a:r>
-            <a:endParaRPr lang="en-US" sz="2000" b="1">
-              <a:sym typeface="+mn-ea"/>
-            </a:endParaRPr>
-          </a:p>
-          <a:p>
-            <a:endParaRPr lang="en-US">
-              <a:sym typeface="+mn-ea"/>
-            </a:endParaRPr>
-          </a:p>
-          <a:p>
-            <a:pPr marL="285750" indent="-285750">
-              <a:buFont typeface="Arial" panose="020B0604020202020204" pitchFamily="34" charset="0"/>
-              <a:buChar char="•"/>
-            </a:pPr>
-            <a:r>
-              <a:rPr lang="en-US">
-                <a:sym typeface="+mn-ea"/>
-              </a:rPr>
-              <a:t>https://docs.python.org/3/tutorial/index.html</a:t>
+              <a:rPr lang="en-US" altLang="en-US"/>
+              <a:t>https://www.geeksforgeeks.org/most-useful-cmd-commands-in-windows/</a:t>
             </a:r>
             <a:endParaRPr lang="en-US"/>
           </a:p>
-          <a:p>
-            <a:pPr marL="285750" indent="-285750">
-              <a:buFont typeface="Arial" panose="020B0604020202020204" pitchFamily="34" charset="0"/>
-              <a:buChar char="•"/>
-            </a:pPr>
-            <a:r>
-              <a:rPr lang="en-US">
-                <a:sym typeface="+mn-ea"/>
-              </a:rPr>
-              <a:t>https://www.w3schools.com/python/</a:t>
-            </a:r>
-            <a:endParaRPr lang="en-US"/>
-          </a:p>
-          <a:p>
-            <a:pPr marL="285750" indent="-285750">
-              <a:buFont typeface="Arial" panose="020B0604020202020204" pitchFamily="34" charset="0"/>
-              <a:buChar char="•"/>
-            </a:pPr>
-            <a:r>
-              <a:rPr lang="en-US">
-                <a:sym typeface="+mn-ea"/>
-              </a:rPr>
-              <a:t>https://www.tutorialspoint.com/python/index.htm</a:t>
-            </a:r>
-            <a:endParaRPr lang="en-US"/>
-          </a:p>
-          <a:p>
-            <a:pPr marL="285750" indent="-285750">
-              <a:buFont typeface="Arial" panose="020B0604020202020204" pitchFamily="34" charset="0"/>
-              <a:buChar char="•"/>
-            </a:pPr>
-            <a:r>
-              <a:rPr lang="en-US">
-                <a:sym typeface="+mn-ea"/>
-              </a:rPr>
-              <a:t>https://www.geeksforgeeks.org/python-programming-language-tutorial/     python extra</a:t>
-            </a:r>
-            <a:endParaRPr lang="en-US">
-              <a:sym typeface="+mn-ea"/>
-            </a:endParaRPr>
-          </a:p>
-          <a:p>
-            <a:pPr marL="285750" indent="-285750">
-              <a:buFont typeface="Arial" panose="020B0604020202020204" pitchFamily="34" charset="0"/>
-              <a:buChar char="•"/>
-            </a:pPr>
-            <a:endParaRPr lang="en-US">
-              <a:sym typeface="+mn-ea"/>
-            </a:endParaRPr>
-          </a:p>
-          <a:p>
-            <a:pPr indent="0">
-              <a:buFont typeface="Arial" panose="020B0604020202020204" pitchFamily="34" charset="0"/>
-              <a:buNone/>
-            </a:pPr>
-            <a:r>
-              <a:rPr lang="en-US" b="1">
-                <a:sym typeface="+mn-ea"/>
-              </a:rPr>
-              <a:t>PRACTICE QUESTIONS</a:t>
-            </a:r>
-            <a:endParaRPr lang="en-US" b="1">
-              <a:sym typeface="+mn-ea"/>
-            </a:endParaRPr>
-          </a:p>
-          <a:p>
-            <a:pPr marL="742950" lvl="1" indent="-285750">
-              <a:buFont typeface="Arial" panose="020B0604020202020204" pitchFamily="34" charset="0"/>
-              <a:buChar char="•"/>
-            </a:pPr>
-            <a:r>
-              <a:rPr lang="en-US" b="1">
-                <a:sym typeface="+mn-ea"/>
-              </a:rPr>
-              <a:t>https://www.hackerrank.com/domains/python</a:t>
-            </a:r>
-            <a:endParaRPr lang="en-US" b="1">
-              <a:sym typeface="+mn-ea"/>
-            </a:endParaRPr>
-          </a:p>
-          <a:p>
-            <a:pPr marL="742950" lvl="1" indent="-285750">
-              <a:buFont typeface="Arial" panose="020B0604020202020204" pitchFamily="34" charset="0"/>
-              <a:buChar char="•"/>
-            </a:pPr>
-            <a:r>
-              <a:rPr lang="en-US" b="1">
-                <a:sym typeface="+mn-ea"/>
-              </a:rPr>
-              <a:t>https://libguides.ntu.edu.sg/python/numpyexercises  (Python for Basic Data Analysis)</a:t>
-            </a:r>
-            <a:endParaRPr lang="en-US" b="1">
-              <a:sym typeface="+mn-ea"/>
-            </a:endParaRPr>
-          </a:p>
-          <a:p>
-            <a:pPr marL="742950" lvl="1" indent="-285750">
-              <a:buFont typeface="Arial" panose="020B0604020202020204" pitchFamily="34" charset="0"/>
-              <a:buChar char="•"/>
-            </a:pPr>
-            <a:r>
-              <a:rPr lang="en-US" b="1">
-                <a:sym typeface="+mn-ea"/>
-              </a:rPr>
-              <a:t>KAGGLE https://medium.com/@filip.sekan/8-websites-you-can-practice-python-for-data-science-for-free-584ede3fef8f</a:t>
-            </a:r>
-            <a:endParaRPr lang="en-US" b="1">
-              <a:sym typeface="+mn-ea"/>
-            </a:endParaRPr>
-          </a:p>
-          <a:p>
-            <a:pPr marL="742950" lvl="1" indent="-285750">
-              <a:buFont typeface="Arial" panose="020B0604020202020204" pitchFamily="34" charset="0"/>
-              <a:buChar char="•"/>
-            </a:pPr>
-            <a:r>
-              <a:rPr lang="en-US" b="1">
-                <a:sym typeface="+mn-ea"/>
-              </a:rPr>
-              <a:t>https://github.com/ajitmane36/Python-Practice/blob/main/Python%20Practice%20Notebook.ipynb</a:t>
-            </a:r>
-            <a:endParaRPr lang="en-US" b="1">
-              <a:sym typeface="+mn-ea"/>
-            </a:endParaRPr>
-          </a:p>
-          <a:p>
-            <a:pPr marL="742950" lvl="1" indent="-285750">
-              <a:buFont typeface="Arial" panose="020B0604020202020204" pitchFamily="34" charset="0"/>
-              <a:buChar char="•"/>
-            </a:pPr>
-            <a:r>
-              <a:rPr lang="en-US" b="1">
-                <a:solidFill>
-                  <a:srgbClr val="00B0F0"/>
-                </a:solidFill>
-                <a:sym typeface="+mn-ea"/>
-              </a:rPr>
-              <a:t>https://github.com/krishnaik06/Python-Practise-Problems/blob/main/Python%20Progamming%20(1).pdf</a:t>
-            </a:r>
-            <a:endParaRPr lang="en-US" b="1">
-              <a:solidFill>
-                <a:srgbClr val="00B0F0"/>
-              </a:solidFill>
-              <a:sym typeface="+mn-ea"/>
-            </a:endParaRPr>
-          </a:p>
-          <a:p>
-            <a:pPr marL="742950" lvl="1" indent="-285750">
-              <a:buFont typeface="Arial" panose="020B0604020202020204" pitchFamily="34" charset="0"/>
-              <a:buChar char="•"/>
-            </a:pPr>
-            <a:endParaRPr lang="en-US" b="1">
-              <a:solidFill>
-                <a:srgbClr val="00B0F0"/>
-              </a:solidFill>
-              <a:sym typeface="+mn-ea"/>
-            </a:endParaRPr>
-          </a:p>
         </p:txBody>
       </p:sp>
       <p:sp>
         <p:nvSpPr>
-          <p:cNvPr id="3" name="Text Box 2"/>
+          <p:cNvPr id="5" name="Text Box 4"/>
           <p:cNvSpPr txBox="1"/>
           <p:nvPr/>
         </p:nvSpPr>
         <p:spPr>
           <a:xfrm>
-            <a:off x="340360" y="4538980"/>
-            <a:ext cx="11061700" cy="1348105"/>
+            <a:off x="1282700" y="1103630"/>
+            <a:ext cx="4330700" cy="1871345"/>
+          </a:xfrm>
+          <a:prstGeom prst="rect">
+            <a:avLst/>
+          </a:prstGeom>
+        </p:spPr>
+        <p:txBody>
+          <a:bodyPr wrap="square">
+            <a:spAutoFit/>
+          </a:bodyPr>
+          <a:p>
+            <a:pPr marL="0" indent="0" fontAlgn="base">
+              <a:lnSpc>
+                <a:spcPts val="1485"/>
+              </a:lnSpc>
+              <a:spcAft>
+                <a:spcPts val="500"/>
+              </a:spcAft>
+              <a:buFont typeface="Arial" panose="020B0604020202020204"/>
+              <a:buChar char="•"/>
+            </a:pPr>
+            <a:r>
+              <a:rPr sz="1600" b="0" i="0">
+                <a:solidFill>
+                  <a:srgbClr val="333333"/>
+                </a:solidFill>
+                <a:latin typeface="Geologica"/>
+                <a:ea typeface="Geologica"/>
+              </a:rPr>
+              <a:t>Directory Navigation</a:t>
+            </a:r>
+            <a:r>
+              <a:rPr sz="1600" i="0">
+                <a:solidFill>
+                  <a:srgbClr val="333333"/>
+                </a:solidFill>
+                <a:latin typeface="Geologica"/>
+                <a:ea typeface="Geologica"/>
+              </a:rPr>
+              <a:t>:</a:t>
+            </a:r>
+            <a:endParaRPr sz="1600" i="0">
+              <a:solidFill>
+                <a:srgbClr val="333333"/>
+              </a:solidFill>
+              <a:latin typeface="Geologica"/>
+              <a:ea typeface="Geologica"/>
+            </a:endParaRPr>
+          </a:p>
+          <a:p>
+            <a:pPr marL="0" lvl="1" indent="0" fontAlgn="base">
+              <a:lnSpc>
+                <a:spcPts val="1485"/>
+              </a:lnSpc>
+              <a:spcAft>
+                <a:spcPts val="500"/>
+              </a:spcAft>
+              <a:buFont typeface="Arial" panose="020B0604020202020204"/>
+              <a:buChar char="◦"/>
+            </a:pPr>
+            <a:r>
+              <a:rPr sz="1600" b="0" i="0">
+                <a:solidFill>
+                  <a:srgbClr val="333333"/>
+                </a:solidFill>
+                <a:latin typeface="Geologica"/>
+                <a:ea typeface="Geologica"/>
+              </a:rPr>
+              <a:t>cd / dir / mkdir / rmdir / tree</a:t>
+            </a:r>
+            <a:r>
+              <a:rPr sz="1600" i="0">
+                <a:solidFill>
+                  <a:srgbClr val="333333"/>
+                </a:solidFill>
+                <a:latin typeface="Geologica"/>
+                <a:ea typeface="Geologica"/>
+              </a:rPr>
+              <a:t>: Move between folders, list contents, and create/remove directories.</a:t>
+            </a:r>
+            <a:endParaRPr sz="1600" i="0">
+              <a:solidFill>
+                <a:srgbClr val="333333"/>
+              </a:solidFill>
+              <a:latin typeface="Geologica"/>
+              <a:ea typeface="Geologica"/>
+            </a:endParaRPr>
+          </a:p>
+          <a:p>
+            <a:pPr marL="0" lvl="1" indent="0" fontAlgn="base">
+              <a:lnSpc>
+                <a:spcPts val="1485"/>
+              </a:lnSpc>
+              <a:spcAft>
+                <a:spcPts val="500"/>
+              </a:spcAft>
+              <a:buFont typeface="Arial" panose="020B0604020202020204"/>
+              <a:buChar char="◦"/>
+            </a:pPr>
+            <a:endParaRPr sz="1600" i="0">
+              <a:solidFill>
+                <a:srgbClr val="333333"/>
+              </a:solidFill>
+              <a:latin typeface="Geologica"/>
+              <a:ea typeface="Geologica"/>
+            </a:endParaRPr>
+          </a:p>
+          <a:p>
+            <a:pPr marL="0" lvl="1" indent="0" fontAlgn="base">
+              <a:lnSpc>
+                <a:spcPts val="1485"/>
+              </a:lnSpc>
+              <a:spcAft>
+                <a:spcPts val="500"/>
+              </a:spcAft>
+              <a:buFont typeface="Arial" panose="020B0604020202020204"/>
+              <a:buChar char="◦"/>
+            </a:pPr>
+            <a:r>
+              <a:rPr lang="en-IN" sz="1600" i="0">
+                <a:solidFill>
+                  <a:srgbClr val="333333"/>
+                </a:solidFill>
+                <a:latin typeface="Geologica"/>
+                <a:ea typeface="Geologica"/>
+              </a:rPr>
+              <a:t>cls</a:t>
+            </a:r>
+            <a:endParaRPr lang="en-IN" sz="1600" i="0">
+              <a:solidFill>
+                <a:srgbClr val="333333"/>
+              </a:solidFill>
+              <a:latin typeface="Geologica"/>
+              <a:ea typeface="Geologica"/>
+            </a:endParaRPr>
+          </a:p>
+          <a:p>
+            <a:pPr marL="0" lvl="1" indent="0" fontAlgn="base">
+              <a:lnSpc>
+                <a:spcPts val="1485"/>
+              </a:lnSpc>
+              <a:spcAft>
+                <a:spcPts val="500"/>
+              </a:spcAft>
+              <a:buFont typeface="Arial" panose="020B0604020202020204"/>
+              <a:buChar char="◦"/>
+            </a:pPr>
+            <a:r>
+              <a:rPr lang="en-US" altLang="en-US" sz="1600" i="0">
+                <a:solidFill>
+                  <a:srgbClr val="333333"/>
+                </a:solidFill>
+                <a:latin typeface="Geologica"/>
+                <a:ea typeface="Geologica"/>
+              </a:rPr>
+              <a:t>copy / del / rename / xcopy: Move or remove files and directories.</a:t>
+            </a:r>
+            <a:endParaRPr lang="en-US" altLang="en-US" sz="1600" i="0">
+              <a:solidFill>
+                <a:srgbClr val="333333"/>
+              </a:solidFill>
+              <a:latin typeface="Geologica"/>
+              <a:ea typeface="Geologica"/>
+            </a:endParaRPr>
+          </a:p>
+        </p:txBody>
+      </p:sp>
+      <p:sp>
+        <p:nvSpPr>
+          <p:cNvPr id="6" name="Text Box 5"/>
+          <p:cNvSpPr txBox="1"/>
+          <p:nvPr/>
+        </p:nvSpPr>
+        <p:spPr>
+          <a:xfrm>
+            <a:off x="5613400" y="1202373"/>
+            <a:ext cx="5080000" cy="3462655"/>
+          </a:xfrm>
+          <a:prstGeom prst="rect">
+            <a:avLst/>
+          </a:prstGeom>
+        </p:spPr>
+        <p:txBody>
+          <a:bodyPr>
+            <a:spAutoFit/>
+          </a:bodyPr>
+          <a:p>
+            <a:pPr marL="0" indent="0" fontAlgn="base">
+              <a:lnSpc>
+                <a:spcPts val="1485"/>
+              </a:lnSpc>
+              <a:spcAft>
+                <a:spcPts val="500"/>
+              </a:spcAft>
+              <a:buAutoNum type="arabicPeriod"/>
+            </a:pPr>
+            <a:r>
+              <a:rPr sz="1600" b="0" i="0">
+                <a:solidFill>
+                  <a:srgbClr val="333333"/>
+                </a:solidFill>
+                <a:latin typeface="Geologica"/>
+                <a:ea typeface="Geologica"/>
+              </a:rPr>
+              <a:t>cd</a:t>
+            </a:r>
+            <a:endParaRPr sz="1600" b="0" i="0">
+              <a:solidFill>
+                <a:srgbClr val="333333"/>
+              </a:solidFill>
+              <a:latin typeface="Geologica"/>
+              <a:ea typeface="Geologica"/>
+            </a:endParaRPr>
+          </a:p>
+          <a:p>
+            <a:pPr marL="0" indent="0" fontAlgn="base">
+              <a:lnSpc>
+                <a:spcPts val="1485"/>
+              </a:lnSpc>
+              <a:spcAft>
+                <a:spcPts val="500"/>
+              </a:spcAft>
+            </a:pPr>
+            <a:r>
+              <a:rPr sz="1600" i="0">
+                <a:solidFill>
+                  <a:srgbClr val="333333"/>
+                </a:solidFill>
+                <a:latin typeface="Geologica"/>
+                <a:ea typeface="Geologica"/>
+              </a:rPr>
+              <a:t>Changes your current directory.</a:t>
+            </a:r>
+            <a:endParaRPr sz="1600" i="0">
+              <a:solidFill>
+                <a:srgbClr val="333333"/>
+              </a:solidFill>
+              <a:latin typeface="Geologica"/>
+              <a:ea typeface="Geologica"/>
+            </a:endParaRPr>
+          </a:p>
+          <a:p>
+            <a:pPr marL="0" indent="0" fontAlgn="base">
+              <a:lnSpc>
+                <a:spcPts val="1485"/>
+              </a:lnSpc>
+              <a:spcAft>
+                <a:spcPts val="500"/>
+              </a:spcAft>
+              <a:buAutoNum type="arabicPeriod"/>
+            </a:pPr>
+            <a:r>
+              <a:rPr sz="1600" b="0" i="0">
+                <a:solidFill>
+                  <a:srgbClr val="333333"/>
+                </a:solidFill>
+                <a:latin typeface="Geologica"/>
+                <a:ea typeface="Geologica"/>
+              </a:rPr>
+              <a:t>cd</a:t>
+            </a:r>
+            <a:r>
+              <a:rPr sz="1600" i="0">
+                <a:solidFill>
+                  <a:srgbClr val="333333"/>
+                </a:solidFill>
+                <a:latin typeface="Geologica"/>
+                <a:ea typeface="Geologica"/>
+              </a:rPr>
+              <a:t> /</a:t>
+            </a:r>
+            <a:endParaRPr sz="1600" i="0">
+              <a:solidFill>
+                <a:srgbClr val="333333"/>
+              </a:solidFill>
+              <a:latin typeface="Geologica"/>
+              <a:ea typeface="Geologica"/>
+            </a:endParaRPr>
+          </a:p>
+          <a:p>
+            <a:pPr marL="0" indent="0" fontAlgn="base">
+              <a:lnSpc>
+                <a:spcPts val="1485"/>
+              </a:lnSpc>
+              <a:spcAft>
+                <a:spcPts val="500"/>
+              </a:spcAft>
+            </a:pPr>
+            <a:r>
+              <a:rPr sz="1600" i="0">
+                <a:solidFill>
+                  <a:srgbClr val="333333"/>
+                </a:solidFill>
+                <a:latin typeface="Geologica"/>
+                <a:ea typeface="Geologica"/>
+              </a:rPr>
+              <a:t>Navigates to the root directory.</a:t>
+            </a:r>
+            <a:endParaRPr sz="1600" i="0">
+              <a:solidFill>
+                <a:srgbClr val="333333"/>
+              </a:solidFill>
+              <a:latin typeface="Geologica"/>
+              <a:ea typeface="Geologica"/>
+            </a:endParaRPr>
+          </a:p>
+          <a:p>
+            <a:pPr marL="0" indent="0" fontAlgn="base">
+              <a:lnSpc>
+                <a:spcPts val="1485"/>
+              </a:lnSpc>
+              <a:spcAft>
+                <a:spcPts val="500"/>
+              </a:spcAft>
+              <a:buAutoNum type="arabicPeriod"/>
+            </a:pPr>
+            <a:r>
+              <a:rPr sz="1600" b="0" i="0">
+                <a:solidFill>
+                  <a:srgbClr val="333333"/>
+                </a:solidFill>
+                <a:latin typeface="Geologica"/>
+                <a:ea typeface="Geologica"/>
+              </a:rPr>
+              <a:t>dir</a:t>
+            </a:r>
+            <a:endParaRPr sz="1600" b="0" i="0">
+              <a:solidFill>
+                <a:srgbClr val="333333"/>
+              </a:solidFill>
+              <a:latin typeface="Geologica"/>
+              <a:ea typeface="Geologica"/>
+            </a:endParaRPr>
+          </a:p>
+          <a:p>
+            <a:pPr marL="0" indent="0" fontAlgn="base">
+              <a:lnSpc>
+                <a:spcPts val="1485"/>
+              </a:lnSpc>
+              <a:spcAft>
+                <a:spcPts val="500"/>
+              </a:spcAft>
+            </a:pPr>
+            <a:r>
+              <a:rPr sz="1600" i="0">
+                <a:solidFill>
+                  <a:srgbClr val="333333"/>
+                </a:solidFill>
+                <a:latin typeface="Geologica"/>
+                <a:ea typeface="Geologica"/>
+              </a:rPr>
+              <a:t>Displays a list of files and subdirectories in a directory.</a:t>
+            </a:r>
+            <a:endParaRPr sz="1600" i="0">
+              <a:solidFill>
+                <a:srgbClr val="333333"/>
+              </a:solidFill>
+              <a:latin typeface="Geologica"/>
+              <a:ea typeface="Geologica"/>
+            </a:endParaRPr>
+          </a:p>
+          <a:p>
+            <a:pPr marL="0" indent="0" fontAlgn="base">
+              <a:lnSpc>
+                <a:spcPts val="1485"/>
+              </a:lnSpc>
+              <a:spcAft>
+                <a:spcPts val="500"/>
+              </a:spcAft>
+              <a:buAutoNum type="arabicPeriod"/>
+            </a:pPr>
+            <a:r>
+              <a:rPr sz="1600" b="0" i="0">
+                <a:solidFill>
+                  <a:srgbClr val="333333"/>
+                </a:solidFill>
+                <a:latin typeface="Geologica"/>
+                <a:ea typeface="Geologica"/>
+              </a:rPr>
+              <a:t>mkdir (or md)</a:t>
+            </a:r>
+            <a:endParaRPr sz="1600" b="0" i="0">
+              <a:solidFill>
+                <a:srgbClr val="333333"/>
+              </a:solidFill>
+              <a:latin typeface="Geologica"/>
+              <a:ea typeface="Geologica"/>
+            </a:endParaRPr>
+          </a:p>
+          <a:p>
+            <a:pPr marL="0" indent="0" fontAlgn="base">
+              <a:lnSpc>
+                <a:spcPts val="1485"/>
+              </a:lnSpc>
+              <a:spcAft>
+                <a:spcPts val="500"/>
+              </a:spcAft>
+            </a:pPr>
+            <a:r>
+              <a:rPr sz="1600" i="0">
+                <a:solidFill>
+                  <a:srgbClr val="333333"/>
+                </a:solidFill>
+                <a:latin typeface="Geologica"/>
+                <a:ea typeface="Geologica"/>
+              </a:rPr>
+              <a:t>Creates a new directory.</a:t>
+            </a:r>
+            <a:endParaRPr sz="1600" i="0">
+              <a:solidFill>
+                <a:srgbClr val="333333"/>
+              </a:solidFill>
+              <a:latin typeface="Geologica"/>
+              <a:ea typeface="Geologica"/>
+            </a:endParaRPr>
+          </a:p>
+          <a:p>
+            <a:pPr marL="0" indent="0" fontAlgn="base">
+              <a:lnSpc>
+                <a:spcPts val="1485"/>
+              </a:lnSpc>
+              <a:spcAft>
+                <a:spcPts val="500"/>
+              </a:spcAft>
+              <a:buAutoNum type="arabicPeriod"/>
+            </a:pPr>
+            <a:r>
+              <a:rPr sz="1600" b="0" i="0">
+                <a:solidFill>
+                  <a:srgbClr val="333333"/>
+                </a:solidFill>
+                <a:latin typeface="Geologica"/>
+                <a:ea typeface="Geologica"/>
+              </a:rPr>
+              <a:t>rmdir (or rd)</a:t>
+            </a:r>
+            <a:endParaRPr sz="1600" b="0" i="0">
+              <a:solidFill>
+                <a:srgbClr val="333333"/>
+              </a:solidFill>
+              <a:latin typeface="Geologica"/>
+              <a:ea typeface="Geologica"/>
+            </a:endParaRPr>
+          </a:p>
+          <a:p>
+            <a:pPr marL="0" indent="0" fontAlgn="base">
+              <a:lnSpc>
+                <a:spcPts val="1485"/>
+              </a:lnSpc>
+              <a:spcAft>
+                <a:spcPts val="500"/>
+              </a:spcAft>
+            </a:pPr>
+            <a:r>
+              <a:rPr sz="1600" i="0">
+                <a:solidFill>
+                  <a:srgbClr val="333333"/>
+                </a:solidFill>
+                <a:latin typeface="Geologica"/>
+                <a:ea typeface="Geologica"/>
+              </a:rPr>
+              <a:t>Removes a directory.</a:t>
+            </a:r>
+            <a:endParaRPr sz="1600" i="0">
+              <a:solidFill>
+                <a:srgbClr val="333333"/>
+              </a:solidFill>
+              <a:latin typeface="Geologica"/>
+              <a:ea typeface="Geologica"/>
+            </a:endParaRPr>
+          </a:p>
+          <a:p>
+            <a:pPr marL="0" indent="0" fontAlgn="base">
+              <a:lnSpc>
+                <a:spcPts val="1485"/>
+              </a:lnSpc>
+              <a:spcAft>
+                <a:spcPts val="500"/>
+              </a:spcAft>
+              <a:buAutoNum type="arabicPeriod"/>
+            </a:pPr>
+            <a:r>
+              <a:rPr sz="1600" b="0" i="0">
+                <a:solidFill>
+                  <a:srgbClr val="333333"/>
+                </a:solidFill>
+                <a:latin typeface="Geologica"/>
+                <a:ea typeface="Geologica"/>
+              </a:rPr>
+              <a:t>tree</a:t>
+            </a:r>
+            <a:endParaRPr sz="1600" b="0" i="0">
+              <a:solidFill>
+                <a:srgbClr val="333333"/>
+              </a:solidFill>
+              <a:latin typeface="Geologica"/>
+              <a:ea typeface="Geologica"/>
+            </a:endParaRPr>
+          </a:p>
+          <a:p>
+            <a:pPr marL="0" indent="0" fontAlgn="base">
+              <a:lnSpc>
+                <a:spcPts val="1485"/>
+              </a:lnSpc>
+              <a:spcAft>
+                <a:spcPts val="500"/>
+              </a:spcAft>
+            </a:pPr>
+            <a:r>
+              <a:rPr sz="1600" i="0">
+                <a:solidFill>
+                  <a:srgbClr val="333333"/>
+                </a:solidFill>
+                <a:latin typeface="Geologica"/>
+                <a:ea typeface="Geologica"/>
+              </a:rPr>
+              <a:t>Graphically displays the folder structure of a drive or path.</a:t>
+            </a:r>
+            <a:endParaRPr sz="1600" i="0">
+              <a:solidFill>
+                <a:srgbClr val="333333"/>
+              </a:solidFill>
+              <a:latin typeface="Geologica"/>
+              <a:ea typeface="Geologica"/>
+            </a:endParaRPr>
+          </a:p>
+        </p:txBody>
+      </p:sp>
+      <p:sp>
+        <p:nvSpPr>
+          <p:cNvPr id="7" name="Text Box 6"/>
+          <p:cNvSpPr txBox="1"/>
+          <p:nvPr/>
+        </p:nvSpPr>
+        <p:spPr>
+          <a:xfrm>
+            <a:off x="5949950" y="5143500"/>
+            <a:ext cx="4064000" cy="645160"/>
           </a:xfrm>
           <a:prstGeom prst="rect">
             <a:avLst/>
@@ -6571,65 +8033,35 @@
           <a:noFill/>
         </p:spPr>
         <p:txBody>
-          <a:bodyPr wrap="square" rtlCol="0" anchor="t">
-            <a:noAutofit/>
+          <a:bodyPr wrap="square" rtlCol="0">
+            <a:spAutoFit/>
           </a:bodyPr>
           <a:p>
-            <a:pPr indent="0">
-              <a:buFont typeface="Arial" panose="020B0604020202020204" pitchFamily="34" charset="0"/>
-              <a:buNone/>
-            </a:pPr>
-            <a:r>
-              <a:rPr lang="en-US" sz="2000" b="1"/>
-              <a:t>coding questions</a:t>
-            </a:r>
-            <a:endParaRPr lang="en-US" sz="1600"/>
-          </a:p>
-          <a:p>
-            <a:pPr marL="285750" indent="-285750">
-              <a:buFont typeface="Arial" panose="020B0604020202020204" pitchFamily="34" charset="0"/>
-              <a:buChar char="•"/>
-            </a:pPr>
-            <a:r>
-              <a:rPr lang="en-US" sz="1600"/>
-              <a:t>https://prepinsta.com/interview-preparation/coding-interview-questions-in-python/</a:t>
-            </a:r>
-            <a:endParaRPr lang="en-US" sz="1600"/>
-          </a:p>
-          <a:p>
-            <a:pPr marL="285750" indent="-285750">
-              <a:buFont typeface="Arial" panose="020B0604020202020204" pitchFamily="34" charset="0"/>
-              <a:buChar char="•"/>
-            </a:pPr>
-            <a:r>
-              <a:rPr lang="en-US" sz="1600"/>
-              <a:t>https://www.interviewbit.com/python-interview-questions/https://www.simplilearn.com/tutorials/python-tutorial/python-interview-questions</a:t>
-            </a:r>
-            <a:endParaRPr lang="en-US" sz="1600"/>
-          </a:p>
-          <a:p>
-            <a:pPr marL="285750" indent="-285750">
-              <a:buFont typeface="Arial" panose="020B0604020202020204" pitchFamily="34" charset="0"/>
-              <a:buChar char="•"/>
-            </a:pPr>
-            <a:r>
-              <a:rPr lang="en-US" sz="1600"/>
-              <a:t>https://medium.com/@nikitasilaparasetty/python-interview-coding-questions-with-solutions-for-beginners-7f6d782defac</a:t>
-            </a:r>
-            <a:endParaRPr lang="en-US" sz="1600"/>
+            <a:r>
+              <a:rPr lang="en-IN" altLang="en-US"/>
+              <a:t>. root file </a:t>
+            </a:r>
+            <a:endParaRPr lang="en-IN" altLang="en-US"/>
+          </a:p>
+          <a:p>
+            <a:r>
+              <a:rPr lang="en-IN" altLang="en-US"/>
+              <a:t>.. back file</a:t>
+            </a:r>
+            <a:endParaRPr lang="en-IN" altLang="en-US"/>
           </a:p>
         </p:txBody>
       </p:sp>
       <p:sp>
         <p:nvSpPr>
-          <p:cNvPr id="4" name="Text Box 3"/>
+          <p:cNvPr id="8" name="Text Box 7"/>
           <p:cNvSpPr txBox="1"/>
           <p:nvPr/>
         </p:nvSpPr>
         <p:spPr>
           <a:xfrm>
-            <a:off x="90170" y="6015355"/>
-            <a:ext cx="12268835" cy="275590"/>
+            <a:off x="6096000" y="469900"/>
+            <a:ext cx="6096000" cy="368300"/>
           </a:xfrm>
           <a:prstGeom prst="rect">
             <a:avLst/>
@@ -6642,18 +8074,39 @@
           </a:bodyPr>
           <a:p>
             <a:r>
-              <a:rPr lang="en-US" sz="1200" b="1">
-                <a:solidFill>
-                  <a:srgbClr val="00B0F0"/>
-                </a:solidFill>
-              </a:rPr>
-              <a:t>https://github.com/Tanu-N-Prabhu/Python/blob/master/Python%20Coding%20Interview%20Prep/Python%20Coding%20Interview%20Questions%20(Beginner%20to%20Advanced).md</a:t>
-            </a:r>
-            <a:endParaRPr lang="en-US" sz="1200" b="1">
-              <a:solidFill>
-                <a:srgbClr val="00B0F0"/>
-              </a:solidFill>
-            </a:endParaRPr>
+              <a:rPr lang="en-US" altLang="en-US"/>
+              <a:t>https://www.geeksforgeeks.org/os-module-python-examples/</a:t>
+            </a:r>
+            <a:endParaRPr lang="en-US"/>
+          </a:p>
+        </p:txBody>
+      </p:sp>
+      <p:sp>
+        <p:nvSpPr>
+          <p:cNvPr id="9" name="Text Box 8"/>
+          <p:cNvSpPr txBox="1"/>
+          <p:nvPr/>
+        </p:nvSpPr>
+        <p:spPr>
+          <a:xfrm>
+            <a:off x="4597400" y="6078220"/>
+            <a:ext cx="6096000" cy="368300"/>
+          </a:xfrm>
+          <a:prstGeom prst="rect">
+            <a:avLst/>
+          </a:prstGeom>
+          <a:noFill/>
+        </p:spPr>
+        <p:txBody>
+          <a:bodyPr wrap="square" rtlCol="0" anchor="t">
+            <a:spAutoFit/>
+          </a:bodyPr>
+          <a:p>
+            <a:r>
+              <a:rPr lang="en-US" altLang="en-US"/>
+              <a:t>https://www.geeksforgeeks.org/python-sys-module/?ref=lbp</a:t>
+            </a:r>
+            <a:endParaRPr lang="en-US"/>
           </a:p>
         </p:txBody>
       </p:sp>
@@ -6683,363 +8136,8 @@
         </p:nvSpPr>
         <p:spPr>
           <a:xfrm>
-            <a:off x="544830" y="387032"/>
-            <a:ext cx="5080000" cy="2550795"/>
-          </a:xfrm>
-          <a:prstGeom prst="rect">
-            <a:avLst/>
-          </a:prstGeom>
-        </p:spPr>
-        <p:txBody>
-          <a:bodyPr>
-            <a:spAutoFit/>
-          </a:bodyPr>
-          <a:p>
-            <a:pPr defTabSz="266700">
-              <a:spcBef>
-                <a:spcPts val="1500"/>
-              </a:spcBef>
-              <a:spcAft>
-                <a:spcPts val="700"/>
-              </a:spcAft>
-            </a:pPr>
-            <a:r>
-              <a:rPr sz="2600" b="0" u="sng">
-                <a:solidFill>
-                  <a:srgbClr val="1E88E5"/>
-                </a:solidFill>
-                <a:latin typeface="Arial" panose="020B0604020202020204"/>
-                <a:ea typeface="Times New Roman" panose="02020603050405020304"/>
-                <a:hlinkClick r:id="rId1"/>
-              </a:rPr>
-              <a:t>Data Types &amp; Variable</a:t>
-            </a:r>
-            <a:endParaRPr sz="2600" b="0" u="sng">
-              <a:solidFill>
-                <a:srgbClr val="1E88E5"/>
-              </a:solidFill>
-              <a:latin typeface="Arial" panose="020B0604020202020204"/>
-              <a:ea typeface="Times New Roman" panose="02020603050405020304"/>
-              <a:hlinkClick r:id="rId1"/>
-            </a:endParaRPr>
-          </a:p>
-          <a:p>
-            <a:pPr defTabSz="266700">
-              <a:spcBef>
-                <a:spcPct val="0"/>
-              </a:spcBef>
-              <a:spcAft>
-                <a:spcPct val="0"/>
-              </a:spcAft>
-            </a:pPr>
-            <a:r>
-              <a:rPr sz="1600">
-                <a:solidFill>
-                  <a:srgbClr val="333333"/>
-                </a:solidFill>
-                <a:latin typeface="Arial" panose="020B0604020202020204"/>
-                <a:ea typeface="Times New Roman" panose="02020603050405020304"/>
-              </a:rPr>
-              <a:t> </a:t>
-            </a:r>
-            <a:r>
-              <a:rPr sz="1600" u="sng">
-                <a:solidFill>
-                  <a:srgbClr val="0000FF"/>
-                </a:solidFill>
-                <a:latin typeface="Arial" panose="020B0604020202020204"/>
-                <a:ea typeface="Times New Roman" panose="02020603050405020304"/>
-                <a:hlinkClick r:id="rId2" tooltip="Add sub topic content"/>
-              </a:rPr>
-              <a:t>Data Types</a:t>
-            </a:r>
-            <a:endParaRPr sz="1600" u="sng">
-              <a:solidFill>
-                <a:srgbClr val="0000FF"/>
-              </a:solidFill>
-              <a:latin typeface="Arial" panose="020B0604020202020204"/>
-              <a:ea typeface="Times New Roman" panose="02020603050405020304"/>
-              <a:hlinkClick r:id="rId2" tooltip="Add sub topic content"/>
-            </a:endParaRPr>
-          </a:p>
-          <a:p>
-            <a:pPr defTabSz="266700">
-              <a:spcBef>
-                <a:spcPct val="0"/>
-              </a:spcBef>
-              <a:spcAft>
-                <a:spcPct val="0"/>
-              </a:spcAft>
-            </a:pPr>
-            <a:r>
-              <a:rPr sz="1600" u="sng">
-                <a:solidFill>
-                  <a:srgbClr val="0000FF"/>
-                </a:solidFill>
-                <a:latin typeface="Arial" panose="020B0604020202020204"/>
-                <a:ea typeface="Times New Roman" panose="02020603050405020304"/>
-                <a:hlinkClick r:id="rId3" tooltip="Add sub topic content"/>
-              </a:rPr>
-              <a:t>Variables</a:t>
-            </a:r>
-            <a:r>
-              <a:rPr sz="1600">
-                <a:solidFill>
-                  <a:srgbClr val="333333"/>
-                </a:solidFill>
-                <a:latin typeface="Arial" panose="020B0604020202020204"/>
-                <a:ea typeface="Times New Roman" panose="02020603050405020304"/>
-              </a:rPr>
-              <a:t> </a:t>
-            </a:r>
-            <a:endParaRPr sz="1600">
-              <a:solidFill>
-                <a:srgbClr val="333333"/>
-              </a:solidFill>
-              <a:latin typeface="Arial" panose="020B0604020202020204"/>
-              <a:ea typeface="Times New Roman" panose="02020603050405020304"/>
-            </a:endParaRPr>
-          </a:p>
-          <a:p>
-            <a:pPr defTabSz="266700">
-              <a:spcBef>
-                <a:spcPct val="0"/>
-              </a:spcBef>
-              <a:spcAft>
-                <a:spcPct val="0"/>
-              </a:spcAft>
-            </a:pPr>
-            <a:r>
-              <a:rPr sz="1600" u="sng">
-                <a:solidFill>
-                  <a:srgbClr val="0000FF"/>
-                </a:solidFill>
-                <a:latin typeface="Arial" panose="020B0604020202020204"/>
-                <a:ea typeface="Times New Roman" panose="02020603050405020304"/>
-                <a:hlinkClick r:id="rId4" tooltip="Add sub topic content"/>
-              </a:rPr>
-              <a:t>Identifiers</a:t>
-            </a:r>
-            <a:r>
-              <a:rPr sz="1600">
-                <a:solidFill>
-                  <a:srgbClr val="333333"/>
-                </a:solidFill>
-                <a:latin typeface="Arial" panose="020B0604020202020204"/>
-                <a:ea typeface="Times New Roman" panose="02020603050405020304"/>
-              </a:rPr>
-              <a:t> </a:t>
-            </a:r>
-            <a:endParaRPr sz="1600">
-              <a:solidFill>
-                <a:srgbClr val="333333"/>
-              </a:solidFill>
-              <a:latin typeface="Arial" panose="020B0604020202020204"/>
-              <a:ea typeface="Times New Roman" panose="02020603050405020304"/>
-            </a:endParaRPr>
-          </a:p>
-          <a:p>
-            <a:pPr defTabSz="266700">
-              <a:spcBef>
-                <a:spcPct val="0"/>
-              </a:spcBef>
-              <a:spcAft>
-                <a:spcPct val="0"/>
-              </a:spcAft>
-            </a:pPr>
-            <a:r>
-              <a:rPr sz="1600" u="sng">
-                <a:solidFill>
-                  <a:srgbClr val="0000FF"/>
-                </a:solidFill>
-                <a:latin typeface="Arial" panose="020B0604020202020204"/>
-                <a:ea typeface="Times New Roman" panose="02020603050405020304"/>
-                <a:hlinkClick r:id="rId5" tooltip="Add sub topic content"/>
-              </a:rPr>
-              <a:t>Literals</a:t>
-            </a:r>
-            <a:r>
-              <a:rPr sz="1600">
-                <a:solidFill>
-                  <a:srgbClr val="333333"/>
-                </a:solidFill>
-                <a:latin typeface="Arial" panose="020B0604020202020204"/>
-                <a:ea typeface="Times New Roman" panose="02020603050405020304"/>
-              </a:rPr>
-              <a:t> </a:t>
-            </a:r>
-            <a:endParaRPr sz="1600">
-              <a:solidFill>
-                <a:srgbClr val="333333"/>
-              </a:solidFill>
-              <a:latin typeface="Arial" panose="020B0604020202020204"/>
-              <a:ea typeface="Times New Roman" panose="02020603050405020304"/>
-            </a:endParaRPr>
-          </a:p>
-          <a:p>
-            <a:pPr defTabSz="266700">
-              <a:spcBef>
-                <a:spcPct val="0"/>
-              </a:spcBef>
-              <a:spcAft>
-                <a:spcPct val="0"/>
-              </a:spcAft>
-            </a:pPr>
-            <a:r>
-              <a:rPr sz="1600" u="sng">
-                <a:solidFill>
-                  <a:srgbClr val="0000FF"/>
-                </a:solidFill>
-                <a:latin typeface="Arial" panose="020B0604020202020204"/>
-                <a:ea typeface="Times New Roman" panose="02020603050405020304"/>
-                <a:hlinkClick r:id="rId6" tooltip="Add sub topic content"/>
-              </a:rPr>
-              <a:t>Type Casting</a:t>
-            </a:r>
-            <a:r>
-              <a:rPr sz="1600">
-                <a:solidFill>
-                  <a:srgbClr val="333333"/>
-                </a:solidFill>
-                <a:latin typeface="Arial" panose="020B0604020202020204"/>
-                <a:ea typeface="Times New Roman" panose="02020603050405020304"/>
-              </a:rPr>
-              <a:t> </a:t>
-            </a:r>
-            <a:endParaRPr sz="1600">
-              <a:solidFill>
-                <a:srgbClr val="333333"/>
-              </a:solidFill>
-              <a:latin typeface="Arial" panose="020B0604020202020204"/>
-              <a:ea typeface="Times New Roman" panose="02020603050405020304"/>
-            </a:endParaRPr>
-          </a:p>
-          <a:p>
-            <a:pPr defTabSz="266700">
-              <a:spcBef>
-                <a:spcPct val="0"/>
-              </a:spcBef>
-              <a:spcAft>
-                <a:spcPct val="0"/>
-              </a:spcAft>
-            </a:pPr>
-            <a:r>
-              <a:rPr sz="1600" u="sng">
-                <a:solidFill>
-                  <a:srgbClr val="0000FF"/>
-                </a:solidFill>
-                <a:latin typeface="Arial" panose="020B0604020202020204"/>
-                <a:ea typeface="Times New Roman" panose="02020603050405020304"/>
-                <a:hlinkClick r:id="rId7" tooltip="Add sub topic content"/>
-              </a:rPr>
-              <a:t>Comments</a:t>
-            </a:r>
-            <a:r>
-              <a:rPr sz="1600">
-                <a:solidFill>
-                  <a:srgbClr val="333333"/>
-                </a:solidFill>
-                <a:latin typeface="Arial" panose="020B0604020202020204"/>
-                <a:ea typeface="Times New Roman" panose="02020603050405020304"/>
-              </a:rPr>
-              <a:t> </a:t>
-            </a:r>
-            <a:endParaRPr sz="1600">
-              <a:solidFill>
-                <a:srgbClr val="333333"/>
-              </a:solidFill>
-              <a:latin typeface="Arial" panose="020B0604020202020204"/>
-              <a:ea typeface="Times New Roman" panose="02020603050405020304"/>
-            </a:endParaRPr>
-          </a:p>
-          <a:p>
-            <a:pPr defTabSz="266700">
-              <a:spcBef>
-                <a:spcPct val="0"/>
-              </a:spcBef>
-              <a:spcAft>
-                <a:spcPct val="0"/>
-              </a:spcAft>
-            </a:pPr>
-            <a:r>
-              <a:rPr sz="1600" u="sng">
-                <a:solidFill>
-                  <a:srgbClr val="0000FF"/>
-                </a:solidFill>
-                <a:latin typeface="Arial" panose="020B0604020202020204"/>
-                <a:ea typeface="Times New Roman" panose="02020603050405020304"/>
-                <a:hlinkClick r:id="rId8" tooltip="Add sub topic content"/>
-              </a:rPr>
-              <a:t>Command Line Arguments</a:t>
-            </a:r>
-            <a:r>
-              <a:rPr sz="1600">
-                <a:solidFill>
-                  <a:srgbClr val="333333"/>
-                </a:solidFill>
-                <a:latin typeface="Arial" panose="020B0604020202020204"/>
-                <a:ea typeface="Times New Roman" panose="02020603050405020304"/>
-              </a:rPr>
-              <a:t> </a:t>
-            </a:r>
-            <a:endParaRPr sz="1600">
-              <a:solidFill>
-                <a:srgbClr val="333333"/>
-              </a:solidFill>
-              <a:latin typeface="Arial" panose="020B0604020202020204"/>
-              <a:ea typeface="Times New Roman" panose="02020603050405020304"/>
-            </a:endParaRPr>
-          </a:p>
-          <a:p>
-            <a:pPr defTabSz="266700">
-              <a:spcBef>
-                <a:spcPct val="0"/>
-              </a:spcBef>
-              <a:spcAft>
-                <a:spcPct val="0"/>
-              </a:spcAft>
-            </a:pPr>
-            <a:r>
-              <a:rPr sz="1600" u="sng">
-                <a:solidFill>
-                  <a:srgbClr val="0000FF"/>
-                </a:solidFill>
-                <a:latin typeface="Arial" panose="020B0604020202020204"/>
-                <a:ea typeface="Times New Roman" panose="02020603050405020304"/>
-                <a:hlinkClick r:id="rId9" tooltip="Add sub topic content"/>
-              </a:rPr>
-              <a:t>Assignment</a:t>
-            </a:r>
-            <a:r>
-              <a:rPr sz="1600">
-                <a:solidFill>
-                  <a:srgbClr val="333333"/>
-                </a:solidFill>
-                <a:latin typeface="Arial" panose="020B0604020202020204"/>
-                <a:ea typeface="Times New Roman" panose="02020603050405020304"/>
-              </a:rPr>
-              <a:t>  </a:t>
-            </a:r>
-            <a:endParaRPr sz="1600">
-              <a:solidFill>
-                <a:srgbClr val="333333"/>
-              </a:solidFill>
-              <a:latin typeface="Arial" panose="020B0604020202020204"/>
-              <a:ea typeface="Times New Roman" panose="02020603050405020304"/>
-            </a:endParaRPr>
-          </a:p>
-        </p:txBody>
-      </p:sp>
-      <p:sp>
-        <p:nvSpPr>
-          <p:cNvPr id="3" name="Text Box 2"/>
-          <p:cNvSpPr txBox="1"/>
-          <p:nvPr/>
-        </p:nvSpPr>
-        <p:spPr>
-          <a:xfrm>
-            <a:off x="3048000" y="3244850"/>
-            <a:ext cx="6096000" cy="368300"/>
+            <a:off x="340360" y="484505"/>
+            <a:ext cx="11490325" cy="4276725"/>
           </a:xfrm>
           <a:prstGeom prst="rect">
             <a:avLst/>
@@ -7051,6 +8149,22 @@
             <a:spAutoFit/>
           </a:bodyPr>
           <a:p>
+            <a:r>
+              <a:rPr lang="en-US" sz="2000" b="1">
+                <a:sym typeface="+mn-ea"/>
+              </a:rPr>
+              <a:t>Resources</a:t>
+            </a:r>
+            <a:endParaRPr lang="en-US" sz="2000" b="1">
+              <a:sym typeface="+mn-ea"/>
+            </a:endParaRPr>
+          </a:p>
+          <a:p>
+            <a:endParaRPr lang="en-US">
+              <a:sym typeface="+mn-ea"/>
+            </a:endParaRPr>
+          </a:p>
+          <a:p>
             <a:pPr marL="285750" indent="-285750">
               <a:buFont typeface="Arial" panose="020B0604020202020204" pitchFamily="34" charset="0"/>
               <a:buChar char="•"/>
@@ -7059,10 +8173,269 @@
               <a:rPr lang="en-US">
                 <a:sym typeface="+mn-ea"/>
               </a:rPr>
+              <a:t>https://docs.python.org/3/tutorial/index.html</a:t>
+            </a:r>
+            <a:endParaRPr lang="en-US"/>
+          </a:p>
+          <a:p>
+            <a:pPr marL="285750" indent="-285750">
+              <a:buFont typeface="Arial" panose="020B0604020202020204" pitchFamily="34" charset="0"/>
+              <a:buChar char="•"/>
+            </a:pPr>
+            <a:r>
+              <a:rPr lang="en-US">
+                <a:sym typeface="+mn-ea"/>
+              </a:rPr>
+              <a:t>https://www.w3schools.com/python/</a:t>
+            </a:r>
+            <a:endParaRPr lang="en-US"/>
+          </a:p>
+          <a:p>
+            <a:pPr marL="285750" indent="-285750">
+              <a:buFont typeface="Arial" panose="020B0604020202020204" pitchFamily="34" charset="0"/>
+              <a:buChar char="•"/>
+            </a:pPr>
+            <a:r>
+              <a:rPr lang="en-US">
+                <a:sym typeface="+mn-ea"/>
+              </a:rPr>
               <a:t>https://www.tutorialspoint.com/python/index.htm</a:t>
+            </a:r>
+            <a:endParaRPr lang="en-US"/>
+          </a:p>
+          <a:p>
+            <a:pPr marL="285750" indent="-285750">
+              <a:buFont typeface="Arial" panose="020B0604020202020204" pitchFamily="34" charset="0"/>
+              <a:buChar char="•"/>
+            </a:pPr>
+            <a:r>
+              <a:rPr lang="en-US">
+                <a:sym typeface="+mn-ea"/>
+              </a:rPr>
+              <a:t>https://www.geeksforgeeks.org/python-programming-language-tutorial/     python extra</a:t>
             </a:r>
             <a:endParaRPr lang="en-US">
               <a:sym typeface="+mn-ea"/>
+            </a:endParaRPr>
+          </a:p>
+          <a:p>
+            <a:pPr marL="285750" indent="-285750">
+              <a:buFont typeface="Arial" panose="020B0604020202020204" pitchFamily="34" charset="0"/>
+              <a:buChar char="•"/>
+            </a:pPr>
+            <a:endParaRPr lang="en-US">
+              <a:sym typeface="+mn-ea"/>
+            </a:endParaRPr>
+          </a:p>
+          <a:p>
+            <a:pPr indent="0">
+              <a:buFont typeface="Arial" panose="020B0604020202020204" pitchFamily="34" charset="0"/>
+              <a:buNone/>
+            </a:pPr>
+            <a:r>
+              <a:rPr lang="en-US" b="1">
+                <a:sym typeface="+mn-ea"/>
+              </a:rPr>
+              <a:t>PRACTICE QUESTIONS</a:t>
+            </a:r>
+            <a:endParaRPr lang="en-US" b="1">
+              <a:sym typeface="+mn-ea"/>
+            </a:endParaRPr>
+          </a:p>
+          <a:p>
+            <a:pPr marL="742950" lvl="1" indent="-285750">
+              <a:buFont typeface="Arial" panose="020B0604020202020204" pitchFamily="34" charset="0"/>
+              <a:buChar char="•"/>
+            </a:pPr>
+            <a:r>
+              <a:rPr lang="en-US" b="1">
+                <a:sym typeface="+mn-ea"/>
+              </a:rPr>
+              <a:t>https://www.hackerrank.com/domains/python</a:t>
+            </a:r>
+            <a:endParaRPr lang="en-US" b="1">
+              <a:sym typeface="+mn-ea"/>
+            </a:endParaRPr>
+          </a:p>
+          <a:p>
+            <a:pPr marL="742950" lvl="1" indent="-285750">
+              <a:buFont typeface="Arial" panose="020B0604020202020204" pitchFamily="34" charset="0"/>
+              <a:buChar char="•"/>
+            </a:pPr>
+            <a:r>
+              <a:rPr lang="en-US" b="1">
+                <a:sym typeface="+mn-ea"/>
+              </a:rPr>
+              <a:t>https://libguides.ntu.edu.sg/python/numpyexercises  (Python for Basic Data Analysis)</a:t>
+            </a:r>
+            <a:endParaRPr lang="en-US" b="1">
+              <a:sym typeface="+mn-ea"/>
+            </a:endParaRPr>
+          </a:p>
+          <a:p>
+            <a:pPr marL="742950" lvl="1" indent="-285750">
+              <a:buFont typeface="Arial" panose="020B0604020202020204" pitchFamily="34" charset="0"/>
+              <a:buChar char="•"/>
+            </a:pPr>
+            <a:r>
+              <a:rPr lang="en-US" b="1">
+                <a:sym typeface="+mn-ea"/>
+              </a:rPr>
+              <a:t>KAGGLE https://medium.com/@filip.sekan/8-websites-you-can-practice-python-for-data-science-for-free-584ede3fef8f</a:t>
+            </a:r>
+            <a:endParaRPr lang="en-US" b="1">
+              <a:sym typeface="+mn-ea"/>
+            </a:endParaRPr>
+          </a:p>
+          <a:p>
+            <a:pPr marL="742950" lvl="1" indent="-285750">
+              <a:buFont typeface="Arial" panose="020B0604020202020204" pitchFamily="34" charset="0"/>
+              <a:buChar char="•"/>
+            </a:pPr>
+            <a:r>
+              <a:rPr lang="en-US" b="1">
+                <a:sym typeface="+mn-ea"/>
+              </a:rPr>
+              <a:t>https://github.com/ajitmane36/Python-Practice/blob/main/Python%20Practice%20Notebook.ipynb</a:t>
+            </a:r>
+            <a:endParaRPr lang="en-US" b="1">
+              <a:sym typeface="+mn-ea"/>
+            </a:endParaRPr>
+          </a:p>
+          <a:p>
+            <a:pPr marL="742950" lvl="1" indent="-285750">
+              <a:buFont typeface="Arial" panose="020B0604020202020204" pitchFamily="34" charset="0"/>
+              <a:buChar char="•"/>
+            </a:pPr>
+            <a:r>
+              <a:rPr lang="en-US" b="1">
+                <a:solidFill>
+                  <a:srgbClr val="00B0F0"/>
+                </a:solidFill>
+                <a:sym typeface="+mn-ea"/>
+              </a:rPr>
+              <a:t>https://github.com/krishnaik06/Python-Practise-Problems/blob/main/Python%20Progamming%20(1).pdf</a:t>
+            </a:r>
+            <a:endParaRPr lang="en-US" b="1">
+              <a:solidFill>
+                <a:srgbClr val="00B0F0"/>
+              </a:solidFill>
+              <a:sym typeface="+mn-ea"/>
+            </a:endParaRPr>
+          </a:p>
+          <a:p>
+            <a:pPr marL="742950" lvl="1" indent="-285750">
+              <a:buFont typeface="Arial" panose="020B0604020202020204" pitchFamily="34" charset="0"/>
+              <a:buChar char="•"/>
+            </a:pPr>
+            <a:endParaRPr lang="en-US" b="1">
+              <a:solidFill>
+                <a:srgbClr val="00B0F0"/>
+              </a:solidFill>
+              <a:sym typeface="+mn-ea"/>
+            </a:endParaRPr>
+          </a:p>
+        </p:txBody>
+      </p:sp>
+      <p:sp>
+        <p:nvSpPr>
+          <p:cNvPr id="3" name="Text Box 2"/>
+          <p:cNvSpPr txBox="1"/>
+          <p:nvPr/>
+        </p:nvSpPr>
+        <p:spPr>
+          <a:xfrm>
+            <a:off x="340360" y="4538980"/>
+            <a:ext cx="11061700" cy="1348105"/>
+          </a:xfrm>
+          <a:prstGeom prst="rect">
+            <a:avLst/>
+          </a:prstGeom>
+          <a:noFill/>
+        </p:spPr>
+        <p:txBody>
+          <a:bodyPr wrap="square" rtlCol="0" anchor="t">
+            <a:noAutofit/>
+          </a:bodyPr>
+          <a:p>
+            <a:pPr indent="0">
+              <a:buFont typeface="Arial" panose="020B0604020202020204" pitchFamily="34" charset="0"/>
+              <a:buNone/>
+            </a:pPr>
+            <a:r>
+              <a:rPr lang="en-US" sz="2000" b="1"/>
+              <a:t>coding questions</a:t>
+            </a:r>
+            <a:endParaRPr lang="en-US" sz="1600"/>
+          </a:p>
+          <a:p>
+            <a:pPr marL="285750" indent="-285750">
+              <a:buFont typeface="Arial" panose="020B0604020202020204" pitchFamily="34" charset="0"/>
+              <a:buChar char="•"/>
+            </a:pPr>
+            <a:r>
+              <a:rPr lang="en-US" sz="1600"/>
+              <a:t>https://prepinsta.com/interview-preparation/coding-interview-questions-in-python/</a:t>
+            </a:r>
+            <a:endParaRPr lang="en-US" sz="1600"/>
+          </a:p>
+          <a:p>
+            <a:pPr marL="285750" indent="-285750">
+              <a:buFont typeface="Arial" panose="020B0604020202020204" pitchFamily="34" charset="0"/>
+              <a:buChar char="•"/>
+            </a:pPr>
+            <a:r>
+              <a:rPr lang="en-US" sz="1600"/>
+              <a:t>https://www.interviewbit.com/python-interview-questions/https://www.simplilearn.com/tutorials/python-tutorial/python-interview-questions</a:t>
+            </a:r>
+            <a:endParaRPr lang="en-US" sz="1600"/>
+          </a:p>
+          <a:p>
+            <a:pPr marL="285750" indent="-285750">
+              <a:buFont typeface="Arial" panose="020B0604020202020204" pitchFamily="34" charset="0"/>
+              <a:buChar char="•"/>
+            </a:pPr>
+            <a:r>
+              <a:rPr lang="en-US" sz="1600"/>
+              <a:t>https://medium.com/@nikitasilaparasetty/python-interview-coding-questions-with-solutions-for-beginners-7f6d782defac</a:t>
+            </a:r>
+            <a:endParaRPr lang="en-US" sz="1600"/>
+          </a:p>
+        </p:txBody>
+      </p:sp>
+      <p:sp>
+        <p:nvSpPr>
+          <p:cNvPr id="4" name="Text Box 3"/>
+          <p:cNvSpPr txBox="1"/>
+          <p:nvPr/>
+        </p:nvSpPr>
+        <p:spPr>
+          <a:xfrm>
+            <a:off x="90170" y="6015355"/>
+            <a:ext cx="12268835" cy="275590"/>
+          </a:xfrm>
+          <a:prstGeom prst="rect">
+            <a:avLst/>
+          </a:prstGeom>
+          <a:noFill/>
+        </p:spPr>
+        <p:txBody>
+          <a:bodyPr wrap="square" rtlCol="0" anchor="t">
+            <a:spAutoFit/>
+          </a:bodyPr>
+          <a:p>
+            <a:r>
+              <a:rPr lang="en-US" sz="1200" b="1">
+                <a:solidFill>
+                  <a:srgbClr val="00B0F0"/>
+                </a:solidFill>
+              </a:rPr>
+              <a:t>https://github.com/Tanu-N-Prabhu/Python/blob/master/Python%20Coding%20Interview%20Prep/Python%20Coding%20Interview%20Questions%20(Beginner%20to%20Advanced).md</a:t>
+            </a:r>
+            <a:endParaRPr lang="en-US" sz="1200" b="1">
+              <a:solidFill>
+                <a:srgbClr val="00B0F0"/>
+              </a:solidFill>
             </a:endParaRPr>
           </a:p>
         </p:txBody>
@@ -7085,360 +8458,6 @@
         <p:nvPr/>
       </p:nvGrpSpPr>
       <p:grpSpPr/>
-      <p:sp>
-        <p:nvSpPr>
-          <p:cNvPr id="2" name="Text Box 1"/>
-          <p:cNvSpPr txBox="1"/>
-          <p:nvPr/>
-        </p:nvSpPr>
-        <p:spPr>
-          <a:xfrm>
-            <a:off x="314960" y="384492"/>
-            <a:ext cx="5080000" cy="2304415"/>
-          </a:xfrm>
-          <a:prstGeom prst="rect">
-            <a:avLst/>
-          </a:prstGeom>
-        </p:spPr>
-        <p:txBody>
-          <a:bodyPr>
-            <a:spAutoFit/>
-          </a:bodyPr>
-          <a:p>
-            <a:pPr defTabSz="266700">
-              <a:spcBef>
-                <a:spcPts val="1500"/>
-              </a:spcBef>
-              <a:spcAft>
-                <a:spcPts val="700"/>
-              </a:spcAft>
-            </a:pPr>
-            <a:r>
-              <a:rPr sz="2600" b="0" u="sng">
-                <a:solidFill>
-                  <a:srgbClr val="1E88E5"/>
-                </a:solidFill>
-                <a:latin typeface="Arial" panose="020B0604020202020204"/>
-                <a:ea typeface="Times New Roman" panose="02020603050405020304"/>
-                <a:hlinkClick r:id="rId1"/>
-              </a:rPr>
-              <a:t>Conditional Statement</a:t>
-            </a:r>
-            <a:endParaRPr sz="2600" b="0" u="sng">
-              <a:solidFill>
-                <a:srgbClr val="1E88E5"/>
-              </a:solidFill>
-              <a:latin typeface="Arial" panose="020B0604020202020204"/>
-              <a:ea typeface="Times New Roman" panose="02020603050405020304"/>
-              <a:hlinkClick r:id="rId1"/>
-            </a:endParaRPr>
-          </a:p>
-          <a:p>
-            <a:pPr defTabSz="266700">
-              <a:spcBef>
-                <a:spcPct val="0"/>
-              </a:spcBef>
-              <a:spcAft>
-                <a:spcPct val="0"/>
-              </a:spcAft>
-            </a:pPr>
-            <a:r>
-              <a:rPr sz="1600">
-                <a:solidFill>
-                  <a:srgbClr val="333333"/>
-                </a:solidFill>
-                <a:latin typeface="Arial" panose="020B0604020202020204"/>
-                <a:ea typeface="Times New Roman" panose="02020603050405020304"/>
-              </a:rPr>
-              <a:t> </a:t>
-            </a:r>
-            <a:r>
-              <a:rPr sz="1600" u="sng">
-                <a:solidFill>
-                  <a:srgbClr val="0000FF"/>
-                </a:solidFill>
-                <a:latin typeface="Arial" panose="020B0604020202020204"/>
-                <a:ea typeface="Times New Roman" panose="02020603050405020304"/>
-                <a:hlinkClick r:id="rId2" tooltip="Add sub topic content"/>
-              </a:rPr>
-              <a:t>Indentation in Python</a:t>
-            </a:r>
-            <a:endParaRPr sz="1600" u="sng">
-              <a:solidFill>
-                <a:srgbClr val="0000FF"/>
-              </a:solidFill>
-              <a:latin typeface="Arial" panose="020B0604020202020204"/>
-              <a:ea typeface="Times New Roman" panose="02020603050405020304"/>
-              <a:hlinkClick r:id="rId2" tooltip="Add sub topic content"/>
-            </a:endParaRPr>
-          </a:p>
-          <a:p>
-            <a:pPr defTabSz="266700">
-              <a:spcBef>
-                <a:spcPct val="0"/>
-              </a:spcBef>
-              <a:spcAft>
-                <a:spcPct val="0"/>
-              </a:spcAft>
-            </a:pPr>
-            <a:r>
-              <a:rPr sz="1600" u="sng">
-                <a:solidFill>
-                  <a:srgbClr val="0000FF"/>
-                </a:solidFill>
-                <a:latin typeface="Arial" panose="020B0604020202020204"/>
-                <a:ea typeface="Times New Roman" panose="02020603050405020304"/>
-                <a:hlinkClick r:id="rId3" tooltip="Add sub topic content"/>
-              </a:rPr>
-              <a:t>Need of Conditional Statement</a:t>
-            </a:r>
-            <a:r>
-              <a:rPr sz="1600">
-                <a:solidFill>
-                  <a:srgbClr val="333333"/>
-                </a:solidFill>
-                <a:latin typeface="Arial" panose="020B0604020202020204"/>
-                <a:ea typeface="Times New Roman" panose="02020603050405020304"/>
-              </a:rPr>
-              <a:t> </a:t>
-            </a:r>
-            <a:endParaRPr sz="1600">
-              <a:solidFill>
-                <a:srgbClr val="333333"/>
-              </a:solidFill>
-              <a:latin typeface="Arial" panose="020B0604020202020204"/>
-              <a:ea typeface="Times New Roman" panose="02020603050405020304"/>
-            </a:endParaRPr>
-          </a:p>
-          <a:p>
-            <a:pPr defTabSz="266700">
-              <a:spcBef>
-                <a:spcPct val="0"/>
-              </a:spcBef>
-              <a:spcAft>
-                <a:spcPct val="0"/>
-              </a:spcAft>
-            </a:pPr>
-            <a:r>
-              <a:rPr sz="1600" u="sng">
-                <a:solidFill>
-                  <a:srgbClr val="0000FF"/>
-                </a:solidFill>
-                <a:latin typeface="Arial" panose="020B0604020202020204"/>
-                <a:ea typeface="Times New Roman" panose="02020603050405020304"/>
-                <a:hlinkClick r:id="rId4" tooltip="Add sub topic content"/>
-              </a:rPr>
-              <a:t>Comparison Operators</a:t>
-            </a:r>
-            <a:r>
-              <a:rPr sz="1600">
-                <a:solidFill>
-                  <a:srgbClr val="333333"/>
-                </a:solidFill>
-                <a:latin typeface="Arial" panose="020B0604020202020204"/>
-                <a:ea typeface="Times New Roman" panose="02020603050405020304"/>
-              </a:rPr>
-              <a:t> </a:t>
-            </a:r>
-            <a:endParaRPr sz="1600">
-              <a:solidFill>
-                <a:srgbClr val="333333"/>
-              </a:solidFill>
-              <a:latin typeface="Arial" panose="020B0604020202020204"/>
-              <a:ea typeface="Times New Roman" panose="02020603050405020304"/>
-            </a:endParaRPr>
-          </a:p>
-          <a:p>
-            <a:pPr defTabSz="266700">
-              <a:spcBef>
-                <a:spcPct val="0"/>
-              </a:spcBef>
-              <a:spcAft>
-                <a:spcPct val="0"/>
-              </a:spcAft>
-            </a:pPr>
-            <a:r>
-              <a:rPr sz="1600" u="sng">
-                <a:solidFill>
-                  <a:srgbClr val="0000FF"/>
-                </a:solidFill>
-                <a:latin typeface="Arial" panose="020B0604020202020204"/>
-                <a:ea typeface="Times New Roman" panose="02020603050405020304"/>
-                <a:hlinkClick r:id="rId5" tooltip="Add sub topic content"/>
-              </a:rPr>
-              <a:t>if...else statement</a:t>
-            </a:r>
-            <a:r>
-              <a:rPr sz="1600">
-                <a:solidFill>
-                  <a:srgbClr val="333333"/>
-                </a:solidFill>
-                <a:latin typeface="Arial" panose="020B0604020202020204"/>
-                <a:ea typeface="Times New Roman" panose="02020603050405020304"/>
-              </a:rPr>
-              <a:t> </a:t>
-            </a:r>
-            <a:endParaRPr sz="1600">
-              <a:solidFill>
-                <a:srgbClr val="333333"/>
-              </a:solidFill>
-              <a:latin typeface="Arial" panose="020B0604020202020204"/>
-              <a:ea typeface="Times New Roman" panose="02020603050405020304"/>
-            </a:endParaRPr>
-          </a:p>
-          <a:p>
-            <a:pPr defTabSz="266700">
-              <a:spcBef>
-                <a:spcPct val="0"/>
-              </a:spcBef>
-              <a:spcAft>
-                <a:spcPct val="0"/>
-              </a:spcAft>
-            </a:pPr>
-            <a:r>
-              <a:rPr sz="1600" u="sng">
-                <a:solidFill>
-                  <a:srgbClr val="0000FF"/>
-                </a:solidFill>
-                <a:latin typeface="Arial" panose="020B0604020202020204"/>
-                <a:ea typeface="Times New Roman" panose="02020603050405020304"/>
-                <a:hlinkClick r:id="rId6" tooltip="Add sub topic content"/>
-              </a:rPr>
-              <a:t>Logical operators</a:t>
-            </a:r>
-            <a:r>
-              <a:rPr sz="1600">
-                <a:solidFill>
-                  <a:srgbClr val="333333"/>
-                </a:solidFill>
-                <a:latin typeface="Arial" panose="020B0604020202020204"/>
-                <a:ea typeface="Times New Roman" panose="02020603050405020304"/>
-              </a:rPr>
-              <a:t> </a:t>
-            </a:r>
-            <a:endParaRPr sz="1600">
-              <a:solidFill>
-                <a:srgbClr val="333333"/>
-              </a:solidFill>
-              <a:latin typeface="Arial" panose="020B0604020202020204"/>
-              <a:ea typeface="Times New Roman" panose="02020603050405020304"/>
-            </a:endParaRPr>
-          </a:p>
-          <a:p>
-            <a:pPr defTabSz="266700">
-              <a:spcBef>
-                <a:spcPct val="0"/>
-              </a:spcBef>
-              <a:spcAft>
-                <a:spcPct val="0"/>
-              </a:spcAft>
-            </a:pPr>
-            <a:r>
-              <a:rPr sz="1600" u="sng">
-                <a:solidFill>
-                  <a:srgbClr val="0000FF"/>
-                </a:solidFill>
-                <a:latin typeface="Arial" panose="020B0604020202020204"/>
-                <a:ea typeface="Times New Roman" panose="02020603050405020304"/>
-                <a:hlinkClick r:id="rId7" tooltip="Add sub topic content"/>
-              </a:rPr>
-              <a:t>elif statements</a:t>
-            </a:r>
-            <a:r>
-              <a:rPr sz="1600">
-                <a:solidFill>
-                  <a:srgbClr val="333333"/>
-                </a:solidFill>
-                <a:latin typeface="Arial" panose="020B0604020202020204"/>
-                <a:ea typeface="Times New Roman" panose="02020603050405020304"/>
-              </a:rPr>
-              <a:t>  </a:t>
-            </a:r>
-            <a:endParaRPr sz="1600">
-              <a:solidFill>
-                <a:srgbClr val="333333"/>
-              </a:solidFill>
-              <a:latin typeface="Arial" panose="020B0604020202020204"/>
-              <a:ea typeface="Times New Roman" panose="02020603050405020304"/>
-            </a:endParaRPr>
-          </a:p>
-          <a:p>
-            <a:pPr defTabSz="266700">
-              <a:spcBef>
-                <a:spcPct val="0"/>
-              </a:spcBef>
-              <a:spcAft>
-                <a:spcPct val="0"/>
-              </a:spcAft>
-            </a:pPr>
-            <a:r>
-              <a:rPr sz="1600" u="sng">
-                <a:solidFill>
-                  <a:srgbClr val="0000FF"/>
-                </a:solidFill>
-                <a:latin typeface="Arial" panose="020B0604020202020204"/>
-                <a:ea typeface="Times New Roman" panose="02020603050405020304"/>
-                <a:hlinkClick r:id="rId8" tooltip="Add sub topic content"/>
-              </a:rPr>
-              <a:t>Assignment</a:t>
-            </a:r>
-            <a:r>
-              <a:rPr sz="1600">
-                <a:solidFill>
-                  <a:srgbClr val="333333"/>
-                </a:solidFill>
-                <a:latin typeface="Arial" panose="020B0604020202020204"/>
-                <a:ea typeface="Times New Roman" panose="02020603050405020304"/>
-              </a:rPr>
-              <a:t>  </a:t>
-            </a:r>
-            <a:endParaRPr sz="1600">
-              <a:solidFill>
-                <a:srgbClr val="333333"/>
-              </a:solidFill>
-              <a:latin typeface="Arial" panose="020B0604020202020204"/>
-              <a:ea typeface="Times New Roman" panose="02020603050405020304"/>
-            </a:endParaRPr>
-          </a:p>
-        </p:txBody>
-      </p:sp>
-      <p:sp>
-        <p:nvSpPr>
-          <p:cNvPr id="3" name="Text Box 2"/>
-          <p:cNvSpPr txBox="1"/>
-          <p:nvPr/>
-        </p:nvSpPr>
-        <p:spPr>
-          <a:xfrm>
-            <a:off x="413385" y="2876550"/>
-            <a:ext cx="6096000" cy="368300"/>
-          </a:xfrm>
-          <a:prstGeom prst="rect">
-            <a:avLst/>
-          </a:prstGeom>
-          <a:noFill/>
-        </p:spPr>
-        <p:txBody>
-          <a:bodyPr wrap="square" rtlCol="0" anchor="t">
-            <a:spAutoFit/>
-          </a:bodyPr>
-          <a:p>
-            <a:pPr marL="285750" indent="-285750">
-              <a:buFont typeface="Arial" panose="020B0604020202020204" pitchFamily="34" charset="0"/>
-              <a:buChar char="•"/>
-            </a:pPr>
-            <a:r>
-              <a:rPr lang="en-US">
-                <a:sym typeface="+mn-ea"/>
-              </a:rPr>
-              <a:t>https://www.tutorialspoint.com/python/index.htm</a:t>
-            </a:r>
-            <a:endParaRPr lang="en-US">
-              <a:sym typeface="+mn-ea"/>
-            </a:endParaRPr>
-          </a:p>
-        </p:txBody>
-      </p:sp>
     </p:spTree>
   </p:cSld>
   <p:clrMapOvr>
@@ -7465,8 +8484,8 @@
         </p:nvSpPr>
         <p:spPr>
           <a:xfrm>
-            <a:off x="283845" y="232728"/>
-            <a:ext cx="5080000" cy="2797175"/>
+            <a:off x="544830" y="387032"/>
+            <a:ext cx="5080000" cy="2550795"/>
           </a:xfrm>
           <a:prstGeom prst="rect">
             <a:avLst/>
@@ -7494,7 +8513,7 @@
                 <a:ea typeface="Times New Roman" panose="02020603050405020304"/>
                 <a:hlinkClick r:id="rId1"/>
               </a:rPr>
-              <a:t>Loops in Python</a:t>
+              <a:t>Data Types &amp; Variable</a:t>
             </a:r>
             <a:endParaRPr sz="2600" b="0" u="sng">
               <a:solidFill>
@@ -7533,7 +8552,7 @@
                 <a:ea typeface="Times New Roman" panose="02020603050405020304"/>
                 <a:hlinkClick r:id="rId2" tooltip="Add sub topic content"/>
               </a:rPr>
-              <a:t>Loops in Python</a:t>
+              <a:t>Data Types</a:t>
             </a:r>
             <a:endParaRPr sz="1600" u="sng">
               <a:solidFill>
@@ -7562,7 +8581,7 @@
                 <a:ea typeface="Times New Roman" panose="02020603050405020304"/>
                 <a:hlinkClick r:id="rId3" tooltip="Add sub topic content"/>
               </a:rPr>
-              <a:t>range() function</a:t>
+              <a:t>Variables</a:t>
             </a:r>
             <a:r>
               <a:rPr sz="1600">
@@ -7600,7 +8619,7 @@
                 <a:ea typeface="Times New Roman" panose="02020603050405020304"/>
                 <a:hlinkClick r:id="rId4" tooltip="Add sub topic content"/>
               </a:rPr>
-              <a:t>Need of Loop</a:t>
+              <a:t>Identifiers</a:t>
             </a:r>
             <a:r>
               <a:rPr sz="1600">
@@ -7638,7 +8657,7 @@
                 <a:ea typeface="Times New Roman" panose="02020603050405020304"/>
                 <a:hlinkClick r:id="rId5" tooltip="Add sub topic content"/>
               </a:rPr>
-              <a:t>for loop</a:t>
+              <a:t>Literals</a:t>
             </a:r>
             <a:r>
               <a:rPr sz="1600">
@@ -7676,7 +8695,7 @@
                 <a:ea typeface="Times New Roman" panose="02020603050405020304"/>
                 <a:hlinkClick r:id="rId6" tooltip="Add sub topic content"/>
               </a:rPr>
-              <a:t>while loop</a:t>
+              <a:t>Type Casting</a:t>
             </a:r>
             <a:r>
               <a:rPr sz="1600">
@@ -7714,7 +8733,7 @@
                 <a:ea typeface="Times New Roman" panose="02020603050405020304"/>
                 <a:hlinkClick r:id="rId7" tooltip="Add sub topic content"/>
               </a:rPr>
-              <a:t>Continue, break and pass keyword</a:t>
+              <a:t>Comments</a:t>
             </a:r>
             <a:r>
               <a:rPr sz="1600">
@@ -7724,7 +8743,7 @@
                 <a:latin typeface="Arial" panose="020B0604020202020204"/>
                 <a:ea typeface="Times New Roman" panose="02020603050405020304"/>
               </a:rPr>
-              <a:t>  </a:t>
+              <a:t> </a:t>
             </a:r>
             <a:endParaRPr sz="1600">
               <a:solidFill>
@@ -7752,7 +8771,7 @@
                 <a:ea typeface="Times New Roman" panose="02020603050405020304"/>
                 <a:hlinkClick r:id="rId8" tooltip="Add sub topic content"/>
               </a:rPr>
-              <a:t>Nested loop</a:t>
+              <a:t>Command Line Arguments</a:t>
             </a:r>
             <a:r>
               <a:rPr sz="1600">
@@ -7790,7 +8809,7 @@
                 <a:ea typeface="Times New Roman" panose="02020603050405020304"/>
                 <a:hlinkClick r:id="rId9" tooltip="Add sub topic content"/>
               </a:rPr>
-              <a:t>Mini Project</a:t>
+              <a:t>Assignment</a:t>
             </a:r>
             <a:r>
               <a:rPr sz="1600">
@@ -7800,45 +8819,7 @@
                 <a:latin typeface="Arial" panose="020B0604020202020204"/>
                 <a:ea typeface="Times New Roman" panose="02020603050405020304"/>
               </a:rPr>
-              <a:t> </a:t>
-            </a:r>
-            <a:endParaRPr sz="1600">
-              <a:solidFill>
-                <a:srgbClr val="333333"/>
-              </a:solidFill>
-              <a:latin typeface="Arial" panose="020B0604020202020204"/>
-              <a:ea typeface="Times New Roman" panose="02020603050405020304"/>
-            </a:endParaRPr>
-          </a:p>
-          <a:p>
-            <a:pPr defTabSz="266700">
-              <a:spcBef>
-                <a:spcPct val="0"/>
-              </a:spcBef>
-              <a:spcAft>
-                <a:spcPct val="0"/>
-              </a:spcAft>
-            </a:pPr>
-            <a:r>
-              <a:rPr sz="1600" u="sng">
-                <a:solidFill>
-                  <a:srgbClr val="0000FF"/>
-                </a:solidFill>
-                <a:latin typeface="Arial" panose="020B0604020202020204"/>
-                <a:ea typeface="Times New Roman" panose="02020603050405020304"/>
-                <a:hlinkClick r:id="rId10" tooltip="Add sub topic content"/>
-              </a:rPr>
-              <a:t>Assignment</a:t>
-            </a:r>
-            <a:r>
-              <a:rPr sz="1600">
-                <a:solidFill>
-                  <a:srgbClr val="333333"/>
-                </a:solidFill>
-                <a:latin typeface="Arial" panose="020B0604020202020204"/>
-                <a:ea typeface="Times New Roman" panose="02020603050405020304"/>
-              </a:rPr>
-              <a:t> </a:t>
+              <a:t>  </a:t>
             </a:r>
             <a:endParaRPr sz="1600">
               <a:solidFill>
@@ -7858,7 +8839,7 @@
         </p:nvSpPr>
         <p:spPr>
           <a:xfrm>
-            <a:off x="283845" y="3030220"/>
+            <a:off x="3048000" y="3244850"/>
             <a:ext cx="6096000" cy="368300"/>
           </a:xfrm>
           <a:prstGeom prst="rect">
@@ -7871,9 +8852,9 @@
             <a:spAutoFit/>
           </a:bodyPr>
           <a:p>
-            <a:pPr indent="0">
+            <a:pPr marL="285750" indent="-285750">
               <a:buFont typeface="Arial" panose="020B0604020202020204" pitchFamily="34" charset="0"/>
-              <a:buNone/>
+              <a:buChar char="•"/>
             </a:pPr>
             <a:r>
               <a:rPr lang="en-US">
@@ -7913,8 +8894,8 @@
         </p:nvSpPr>
         <p:spPr>
           <a:xfrm>
-            <a:off x="252730" y="340995"/>
-            <a:ext cx="5080000" cy="2058670"/>
+            <a:off x="314960" y="384492"/>
+            <a:ext cx="5080000" cy="2304415"/>
           </a:xfrm>
           <a:prstGeom prst="rect">
             <a:avLst/>
@@ -7942,7 +8923,7 @@
                 <a:ea typeface="Times New Roman" panose="02020603050405020304"/>
                 <a:hlinkClick r:id="rId1"/>
               </a:rPr>
-              <a:t>More on Data types</a:t>
+              <a:t>Conditional Statement</a:t>
             </a:r>
             <a:endParaRPr sz="2600" b="0" u="sng">
               <a:solidFill>
@@ -7981,7 +8962,7 @@
                 <a:ea typeface="Times New Roman" panose="02020603050405020304"/>
                 <a:hlinkClick r:id="rId2" tooltip="Add sub topic content"/>
               </a:rPr>
-              <a:t>String</a:t>
+              <a:t>Indentation in Python</a:t>
             </a:r>
             <a:endParaRPr sz="1600" u="sng">
               <a:solidFill>
@@ -8010,7 +8991,7 @@
                 <a:ea typeface="Times New Roman" panose="02020603050405020304"/>
                 <a:hlinkClick r:id="rId3" tooltip="Add sub topic content"/>
               </a:rPr>
-              <a:t>List , List comprehensions</a:t>
+              <a:t>Need of Conditional Statement</a:t>
             </a:r>
             <a:r>
               <a:rPr sz="1600">
@@ -8020,7 +9001,7 @@
                 <a:latin typeface="Arial" panose="020B0604020202020204"/>
                 <a:ea typeface="Times New Roman" panose="02020603050405020304"/>
               </a:rPr>
-              <a:t>  </a:t>
+              <a:t> </a:t>
             </a:r>
             <a:endParaRPr sz="1600">
               <a:solidFill>
@@ -8048,7 +9029,7 @@
                 <a:ea typeface="Times New Roman" panose="02020603050405020304"/>
                 <a:hlinkClick r:id="rId4" tooltip="Add sub topic content"/>
               </a:rPr>
-              <a:t>Multidimensional List | tuple , set</a:t>
+              <a:t>Comparison Operators</a:t>
             </a:r>
             <a:r>
               <a:rPr sz="1600">
@@ -8058,7 +9039,7 @@
                 <a:latin typeface="Arial" panose="020B0604020202020204"/>
                 <a:ea typeface="Times New Roman" panose="02020603050405020304"/>
               </a:rPr>
-              <a:t>  </a:t>
+              <a:t> </a:t>
             </a:r>
             <a:endParaRPr sz="1600">
               <a:solidFill>
@@ -8086,7 +9067,7 @@
                 <a:ea typeface="Times New Roman" panose="02020603050405020304"/>
                 <a:hlinkClick r:id="rId5" tooltip="Add sub topic content"/>
               </a:rPr>
-              <a:t>Dictionary</a:t>
+              <a:t>if...else statement</a:t>
             </a:r>
             <a:r>
               <a:rPr sz="1600">
@@ -8096,7 +9077,7 @@
                 <a:latin typeface="Arial" panose="020B0604020202020204"/>
                 <a:ea typeface="Times New Roman" panose="02020603050405020304"/>
               </a:rPr>
-              <a:t>  </a:t>
+              <a:t> </a:t>
             </a:r>
             <a:endParaRPr sz="1600">
               <a:solidFill>
@@ -8124,7 +9105,7 @@
                 <a:ea typeface="Times New Roman" panose="02020603050405020304"/>
                 <a:hlinkClick r:id="rId6" tooltip="Add sub topic content"/>
               </a:rPr>
-              <a:t>Mini Project</a:t>
+              <a:t>Logical operators</a:t>
             </a:r>
             <a:r>
               <a:rPr sz="1600">
@@ -8145,25 +9126,79 @@
             </a:endParaRPr>
           </a:p>
           <a:p>
-            <a:pPr defTabSz="266700"/>
+            <a:pPr defTabSz="266700">
+              <a:spcBef>
+                <a:spcPct val="0"/>
+              </a:spcBef>
+              <a:spcAft>
+                <a:spcPct val="0"/>
+              </a:spcAft>
+            </a:pPr>
             <a:r>
               <a:rPr sz="1600" u="sng">
                 <a:solidFill>
                   <a:srgbClr val="0000FF"/>
                 </a:solidFill>
                 <a:latin typeface="Arial" panose="020B0604020202020204"/>
-                <a:ea typeface="Calibri" panose="020F0502020204030204"/>
+                <a:ea typeface="Times New Roman" panose="02020603050405020304"/>
                 <a:hlinkClick r:id="rId7" tooltip="Add sub topic content"/>
               </a:rPr>
+              <a:t>elif statements</a:t>
+            </a:r>
+            <a:r>
+              <a:rPr sz="1600">
+                <a:solidFill>
+                  <a:srgbClr val="333333"/>
+                </a:solidFill>
+                <a:latin typeface="Arial" panose="020B0604020202020204"/>
+                <a:ea typeface="Times New Roman" panose="02020603050405020304"/>
+              </a:rPr>
+              <a:t>  </a:t>
+            </a:r>
+            <a:endParaRPr sz="1600">
+              <a:solidFill>
+                <a:srgbClr val="333333"/>
+              </a:solidFill>
+              <a:latin typeface="Arial" panose="020B0604020202020204"/>
+              <a:ea typeface="Times New Roman" panose="02020603050405020304"/>
+            </a:endParaRPr>
+          </a:p>
+          <a:p>
+            <a:pPr defTabSz="266700">
+              <a:spcBef>
+                <a:spcPct val="0"/>
+              </a:spcBef>
+              <a:spcAft>
+                <a:spcPct val="0"/>
+              </a:spcAft>
+            </a:pPr>
+            <a:r>
+              <a:rPr sz="1600" u="sng">
+                <a:solidFill>
+                  <a:srgbClr val="0000FF"/>
+                </a:solidFill>
+                <a:latin typeface="Arial" panose="020B0604020202020204"/>
+                <a:ea typeface="Times New Roman" panose="02020603050405020304"/>
+                <a:hlinkClick r:id="rId8" tooltip="Add sub topic content"/>
+              </a:rPr>
               <a:t>Assignment</a:t>
             </a:r>
-            <a:endParaRPr sz="1600" u="sng">
-              <a:solidFill>
-                <a:srgbClr val="0000FF"/>
+            <a:r>
+              <a:rPr sz="1600">
+                <a:solidFill>
+                  <a:srgbClr val="333333"/>
+                </a:solidFill>
+                <a:latin typeface="Arial" panose="020B0604020202020204"/>
+                <a:ea typeface="Times New Roman" panose="02020603050405020304"/>
+              </a:rPr>
+              <a:t>  </a:t>
+            </a:r>
+            <a:endParaRPr sz="1600">
+              <a:solidFill>
+                <a:srgbClr val="333333"/>
               </a:solidFill>
               <a:latin typeface="Arial" panose="020B0604020202020204"/>
-              <a:ea typeface="Calibri" panose="020F0502020204030204"/>
-              <a:hlinkClick r:id="rId7" tooltip="Add sub topic content"/>
+              <a:ea typeface="Times New Roman" panose="02020603050405020304"/>
             </a:endParaRPr>
           </a:p>
         </p:txBody>
@@ -8176,7 +9211,7 @@
         </p:nvSpPr>
         <p:spPr>
           <a:xfrm>
-            <a:off x="252730" y="2399665"/>
+            <a:off x="413385" y="2876550"/>
             <a:ext cx="6096000" cy="368300"/>
           </a:xfrm>
           <a:prstGeom prst="rect">
@@ -8189,9 +9224,9 @@
             <a:spAutoFit/>
           </a:bodyPr>
           <a:p>
-            <a:pPr indent="0">
+            <a:pPr marL="285750" indent="-285750">
               <a:buFont typeface="Arial" panose="020B0604020202020204" pitchFamily="34" charset="0"/>
-              <a:buNone/>
+              <a:buChar char="•"/>
             </a:pPr>
             <a:r>
               <a:rPr lang="en-US">
@@ -8231,8 +9266,8 @@
         </p:nvSpPr>
         <p:spPr>
           <a:xfrm>
-            <a:off x="294005" y="216535"/>
-            <a:ext cx="5080000" cy="3289300"/>
+            <a:off x="283845" y="232728"/>
+            <a:ext cx="5080000" cy="2797175"/>
           </a:xfrm>
           <a:prstGeom prst="rect">
             <a:avLst/>
@@ -8260,7 +9295,7 @@
                 <a:ea typeface="Times New Roman" panose="02020603050405020304"/>
                 <a:hlinkClick r:id="rId1"/>
               </a:rPr>
-              <a:t>Function and Modules</a:t>
+              <a:t>Loops in Python</a:t>
             </a:r>
             <a:endParaRPr sz="2600" b="0" u="sng">
               <a:solidFill>
@@ -8299,7 +9334,7 @@
                 <a:ea typeface="Times New Roman" panose="02020603050405020304"/>
                 <a:hlinkClick r:id="rId2" tooltip="Add sub topic content"/>
               </a:rPr>
-              <a:t>Defining and calling function</a:t>
+              <a:t>Loops in Python</a:t>
             </a:r>
             <a:endParaRPr sz="1600" u="sng">
               <a:solidFill>
@@ -8328,7 +9363,7 @@
                 <a:ea typeface="Times New Roman" panose="02020603050405020304"/>
                 <a:hlinkClick r:id="rId3" tooltip="Add sub topic content"/>
               </a:rPr>
-              <a:t>return statement</a:t>
+              <a:t>range() function</a:t>
             </a:r>
             <a:r>
               <a:rPr sz="1600">
@@ -8366,7 +9401,7 @@
                 <a:ea typeface="Times New Roman" panose="02020603050405020304"/>
                 <a:hlinkClick r:id="rId4" tooltip="Add sub topic content"/>
               </a:rPr>
-              <a:t>Types of Argument-default,variable length</a:t>
+              <a:t>Need of Loop</a:t>
             </a:r>
             <a:r>
               <a:rPr sz="1600">
@@ -8404,7 +9439,7 @@
                 <a:ea typeface="Times New Roman" panose="02020603050405020304"/>
                 <a:hlinkClick r:id="rId5" tooltip="Add sub topic content"/>
               </a:rPr>
-              <a:t>Variable Scope - Global vs Local</a:t>
+              <a:t>for loop</a:t>
             </a:r>
             <a:r>
               <a:rPr sz="1600">
@@ -8414,7 +9449,7 @@
                 <a:latin typeface="Arial" panose="020B0604020202020204"/>
                 <a:ea typeface="Times New Roman" panose="02020603050405020304"/>
               </a:rPr>
-              <a:t>  </a:t>
+              <a:t> </a:t>
             </a:r>
             <a:endParaRPr sz="1600">
               <a:solidFill>
@@ -8442,7 +9477,7 @@
                 <a:ea typeface="Times New Roman" panose="02020603050405020304"/>
                 <a:hlinkClick r:id="rId6" tooltip="Add sub topic content"/>
               </a:rPr>
-              <a:t>Recursive function</a:t>
+              <a:t>while loop</a:t>
             </a:r>
             <a:r>
               <a:rPr sz="1600">
@@ -8480,7 +9515,7 @@
                 <a:ea typeface="Times New Roman" panose="02020603050405020304"/>
                 <a:hlinkClick r:id="rId7" tooltip="Add sub topic content"/>
               </a:rPr>
-              <a:t>Lambda, filter, map, reduce</a:t>
+              <a:t>Continue, break and pass keyword</a:t>
             </a:r>
             <a:r>
               <a:rPr sz="1600">
@@ -8490,7 +9525,7 @@
                 <a:latin typeface="Arial" panose="020B0604020202020204"/>
                 <a:ea typeface="Times New Roman" panose="02020603050405020304"/>
               </a:rPr>
-              <a:t> </a:t>
+              <a:t>  </a:t>
             </a:r>
             <a:endParaRPr sz="1600">
               <a:solidFill>
@@ -8518,7 +9553,7 @@
                 <a:ea typeface="Times New Roman" panose="02020603050405020304"/>
                 <a:hlinkClick r:id="rId8" tooltip="Add sub topic content"/>
               </a:rPr>
-              <a:t>Need of Module</a:t>
+              <a:t>Nested loop</a:t>
             </a:r>
             <a:r>
               <a:rPr sz="1600">
@@ -8556,7 +9591,7 @@
                 <a:ea typeface="Times New Roman" panose="02020603050405020304"/>
                 <a:hlinkClick r:id="rId9" tooltip="Add sub topic content"/>
               </a:rPr>
-              <a:t>What is module</a:t>
+              <a:t>Mini Project</a:t>
             </a:r>
             <a:r>
               <a:rPr sz="1600">
@@ -8593,82 +9628,6 @@
                 <a:latin typeface="Arial" panose="020B0604020202020204"/>
                 <a:ea typeface="Times New Roman" panose="02020603050405020304"/>
                 <a:hlinkClick r:id="rId10" tooltip="Add sub topic content"/>
-              </a:rPr>
-              <a:t>Built in Module</a:t>
-            </a:r>
-            <a:r>
-              <a:rPr sz="1600">
-                <a:solidFill>
-                  <a:srgbClr val="333333"/>
-                </a:solidFill>
-                <a:latin typeface="Arial" panose="020B0604020202020204"/>
-                <a:ea typeface="Times New Roman" panose="02020603050405020304"/>
-              </a:rPr>
-              <a:t> </a:t>
-            </a:r>
-            <a:endParaRPr sz="1600">
-              <a:solidFill>
-                <a:srgbClr val="333333"/>
-              </a:solidFill>
-              <a:latin typeface="Arial" panose="020B0604020202020204"/>
-              <a:ea typeface="Times New Roman" panose="02020603050405020304"/>
-            </a:endParaRPr>
-          </a:p>
-          <a:p>
-            <a:pPr defTabSz="266700">
-              <a:spcBef>
-                <a:spcPct val="0"/>
-              </a:spcBef>
-              <a:spcAft>
-                <a:spcPct val="0"/>
-              </a:spcAft>
-            </a:pPr>
-            <a:r>
-              <a:rPr sz="1600" u="sng">
-                <a:solidFill>
-                  <a:srgbClr val="0000FF"/>
-                </a:solidFill>
-                <a:latin typeface="Arial" panose="020B0604020202020204"/>
-                <a:ea typeface="Times New Roman" panose="02020603050405020304"/>
-                <a:hlinkClick r:id="rId11" tooltip="Add sub topic content"/>
-              </a:rPr>
-              <a:t>User defined Module</a:t>
-            </a:r>
-            <a:r>
-              <a:rPr sz="1600">
-                <a:solidFill>
-                  <a:srgbClr val="333333"/>
-                </a:solidFill>
-                <a:latin typeface="Arial" panose="020B0604020202020204"/>
-                <a:ea typeface="Times New Roman" panose="02020603050405020304"/>
-              </a:rPr>
-              <a:t> </a:t>
-            </a:r>
-            <a:endParaRPr sz="1600">
-              <a:solidFill>
-                <a:srgbClr val="333333"/>
-              </a:solidFill>
-              <a:latin typeface="Arial" panose="020B0604020202020204"/>
-              <a:ea typeface="Times New Roman" panose="02020603050405020304"/>
-            </a:endParaRPr>
-          </a:p>
-          <a:p>
-            <a:pPr defTabSz="266700">
-              <a:spcBef>
-                <a:spcPct val="0"/>
-              </a:spcBef>
-              <a:spcAft>
-                <a:spcPct val="0"/>
-              </a:spcAft>
-            </a:pPr>
-            <a:r>
-              <a:rPr sz="1600" u="sng">
-                <a:solidFill>
-                  <a:srgbClr val="0000FF"/>
-                </a:solidFill>
-                <a:latin typeface="Arial" panose="020B0604020202020204"/>
-                <a:ea typeface="Times New Roman" panose="02020603050405020304"/>
-                <a:hlinkClick r:id="rId12" tooltip="Add sub topic content"/>
               </a:rPr>
               <a:t>Assignment</a:t>
             </a:r>
@@ -8700,8 +9659,8 @@
         </p:nvSpPr>
         <p:spPr>
           <a:xfrm>
-            <a:off x="294005" y="3613150"/>
-            <a:ext cx="6096000" cy="645160"/>
+            <a:off x="283845" y="3030220"/>
+            <a:ext cx="6096000" cy="368300"/>
           </a:xfrm>
           <a:prstGeom prst="rect">
             <a:avLst/>
@@ -8723,15 +9682,6 @@
               </a:rPr>
               <a:t>https://www.tutorialspoint.com/python/index.htm</a:t>
             </a:r>
-            <a:endParaRPr lang="en-US">
-              <a:sym typeface="+mn-ea"/>
-            </a:endParaRPr>
-          </a:p>
-          <a:p>
-            <a:pPr indent="0">
-              <a:buFont typeface="Arial" panose="020B0604020202020204" pitchFamily="34" charset="0"/>
-              <a:buNone/>
-            </a:pPr>
             <a:endParaRPr lang="en-US">
               <a:sym typeface="+mn-ea"/>
             </a:endParaRPr>
@@ -8764,15 +9714,15 @@
         </p:nvSpPr>
         <p:spPr>
           <a:xfrm>
-            <a:off x="357505" y="258445"/>
-            <a:ext cx="7034530" cy="2550795"/>
+            <a:off x="252730" y="340995"/>
+            <a:ext cx="5080000" cy="2058670"/>
           </a:xfrm>
           <a:prstGeom prst="rect">
             <a:avLst/>
           </a:prstGeom>
         </p:spPr>
         <p:txBody>
-          <a:bodyPr wrap="square">
+          <a:bodyPr>
             <a:spAutoFit/>
           </a:bodyPr>
           <a:p>
@@ -8793,7 +9743,7 @@
                 <a:ea typeface="Times New Roman" panose="02020603050405020304"/>
                 <a:hlinkClick r:id="rId1"/>
               </a:rPr>
-              <a:t>Object Oriented Programming</a:t>
+              <a:t>More on Data types</a:t>
             </a:r>
             <a:endParaRPr sz="2600" b="0" u="sng">
               <a:solidFill>
@@ -8832,7 +9782,7 @@
                 <a:ea typeface="Times New Roman" panose="02020603050405020304"/>
                 <a:hlinkClick r:id="rId2" tooltip="Add sub topic content"/>
               </a:rPr>
-              <a:t>What are the feature of OOPs</a:t>
+              <a:t>String</a:t>
             </a:r>
             <a:endParaRPr sz="1600" u="sng">
               <a:solidFill>
@@ -8861,7 +9811,7 @@
                 <a:ea typeface="Times New Roman" panose="02020603050405020304"/>
                 <a:hlinkClick r:id="rId3" tooltip="Add sub topic content"/>
               </a:rPr>
-              <a:t>What is Class, Attributes &amp; Methods</a:t>
+              <a:t>List , List comprehensions</a:t>
             </a:r>
             <a:r>
               <a:rPr sz="1600">
@@ -8871,7 +9821,7 @@
                 <a:latin typeface="Arial" panose="020B0604020202020204"/>
                 <a:ea typeface="Times New Roman" panose="02020603050405020304"/>
               </a:rPr>
-              <a:t> </a:t>
+              <a:t>  </a:t>
             </a:r>
             <a:endParaRPr sz="1600">
               <a:solidFill>
@@ -8899,7 +9849,7 @@
                 <a:ea typeface="Times New Roman" panose="02020603050405020304"/>
                 <a:hlinkClick r:id="rId4" tooltip="Add sub topic content"/>
               </a:rPr>
-              <a:t>What is Constructor and Destructor ?</a:t>
+              <a:t>Multidimensional List | tuple , set</a:t>
             </a:r>
             <a:r>
               <a:rPr sz="1600">
@@ -8909,7 +9859,7 @@
                 <a:latin typeface="Arial" panose="020B0604020202020204"/>
                 <a:ea typeface="Times New Roman" panose="02020603050405020304"/>
               </a:rPr>
-              <a:t> </a:t>
+              <a:t>  </a:t>
             </a:r>
             <a:endParaRPr sz="1600">
               <a:solidFill>
@@ -8937,7 +9887,7 @@
                 <a:ea typeface="Times New Roman" panose="02020603050405020304"/>
                 <a:hlinkClick r:id="rId5" tooltip="Add sub topic content"/>
               </a:rPr>
-              <a:t>What is Inheritance</a:t>
+              <a:t>Dictionary</a:t>
             </a:r>
             <a:r>
               <a:rPr sz="1600">
@@ -8947,7 +9897,7 @@
                 <a:latin typeface="Arial" panose="020B0604020202020204"/>
                 <a:ea typeface="Times New Roman" panose="02020603050405020304"/>
               </a:rPr>
-              <a:t> </a:t>
+              <a:t>  </a:t>
             </a:r>
             <a:endParaRPr sz="1600">
               <a:solidFill>
@@ -8975,7 +9925,7 @@
                 <a:ea typeface="Times New Roman" panose="02020603050405020304"/>
                 <a:hlinkClick r:id="rId6" tooltip="Add sub topic content"/>
               </a:rPr>
-              <a:t>Data Abstraction</a:t>
+              <a:t>Mini Project</a:t>
             </a:r>
             <a:r>
               <a:rPr sz="1600">
@@ -8996,99 +9946,25 @@
             </a:endParaRPr>
           </a:p>
           <a:p>
-            <a:pPr defTabSz="266700">
-              <a:spcBef>
-                <a:spcPct val="0"/>
-              </a:spcBef>
-              <a:spcAft>
-                <a:spcPct val="0"/>
-              </a:spcAft>
-            </a:pPr>
+            <a:pPr defTabSz="266700"/>
             <a:r>
               <a:rPr sz="1600" u="sng">
                 <a:solidFill>
                   <a:srgbClr val="0000FF"/>
                 </a:solidFill>
                 <a:latin typeface="Arial" panose="020B0604020202020204"/>
-                <a:ea typeface="Times New Roman" panose="02020603050405020304"/>
+                <a:ea typeface="Calibri" panose="020F0502020204030204"/>
                 <a:hlinkClick r:id="rId7" tooltip="Add sub topic content"/>
               </a:rPr>
-              <a:t>What is Polymorphism</a:t>
-            </a:r>
-            <a:r>
-              <a:rPr sz="1600">
-                <a:solidFill>
-                  <a:srgbClr val="333333"/>
-                </a:solidFill>
-                <a:latin typeface="Arial" panose="020B0604020202020204"/>
-                <a:ea typeface="Times New Roman" panose="02020603050405020304"/>
-              </a:rPr>
-              <a:t> </a:t>
-            </a:r>
-            <a:endParaRPr sz="1600">
-              <a:solidFill>
-                <a:srgbClr val="333333"/>
+              <a:t>Assignment</a:t>
+            </a:r>
+            <a:endParaRPr sz="1600" u="sng">
+              <a:solidFill>
+                <a:srgbClr val="0000FF"/>
               </a:solidFill>
               <a:latin typeface="Arial" panose="020B0604020202020204"/>
-              <a:ea typeface="Times New Roman" panose="02020603050405020304"/>
-            </a:endParaRPr>
-          </a:p>
-          <a:p>
-            <a:pPr defTabSz="266700">
-              <a:spcBef>
-                <a:spcPct val="0"/>
-              </a:spcBef>
-              <a:spcAft>
-                <a:spcPct val="0"/>
-              </a:spcAft>
-            </a:pPr>
-            <a:r>
-              <a:rPr sz="1600" u="sng">
-                <a:solidFill>
-                  <a:srgbClr val="347C37"/>
-                </a:solidFill>
-                <a:latin typeface="Arial" panose="020B0604020202020204"/>
-                <a:ea typeface="Times New Roman" panose="02020603050405020304"/>
-                <a:hlinkClick r:id="rId8" tooltip="Add sub topic content"/>
-              </a:rPr>
-              <a:t>Assignment</a:t>
-            </a:r>
-            <a:endParaRPr sz="1600" u="sng">
-              <a:solidFill>
-                <a:srgbClr val="347C37"/>
-              </a:solidFill>
-              <a:latin typeface="Arial" panose="020B0604020202020204"/>
-              <a:ea typeface="Times New Roman" panose="02020603050405020304"/>
-              <a:hlinkClick r:id="rId8" tooltip="Add sub topic content"/>
-            </a:endParaRPr>
-          </a:p>
-          <a:p>
-            <a:pPr defTabSz="266700">
-              <a:spcBef>
-                <a:spcPct val="0"/>
-              </a:spcBef>
-              <a:spcAft>
-                <a:spcPct val="0"/>
-              </a:spcAft>
-            </a:pPr>
-            <a:r>
-              <a:rPr lang="en-US" sz="1600" u="sng">
-                <a:solidFill>
-                  <a:srgbClr val="347C37"/>
-                </a:solidFill>
-                <a:latin typeface="Arial" panose="020B0604020202020204"/>
-                <a:ea typeface="Times New Roman" panose="02020603050405020304"/>
-                <a:hlinkClick r:id="rId8" tooltip="Add sub topic content"/>
-              </a:rPr>
-              <a:t>python overloading (function overloading, operator overloading)</a:t>
-            </a:r>
-            <a:endParaRPr lang="en-US" sz="1600" u="sng">
-              <a:solidFill>
-                <a:srgbClr val="347C37"/>
-              </a:solidFill>
-              <a:latin typeface="Arial" panose="020B0604020202020204"/>
-              <a:ea typeface="Times New Roman" panose="02020603050405020304"/>
-              <a:hlinkClick r:id="rId8" tooltip="Add sub topic content"/>
+              <a:ea typeface="Calibri" panose="020F0502020204030204"/>
+              <a:hlinkClick r:id="rId7" tooltip="Add sub topic content"/>
             </a:endParaRPr>
           </a:p>
         </p:txBody>
@@ -9101,7 +9977,7 @@
         </p:nvSpPr>
         <p:spPr>
           <a:xfrm>
-            <a:off x="402590" y="3429000"/>
+            <a:off x="252730" y="2399665"/>
             <a:ext cx="6096000" cy="368300"/>
           </a:xfrm>
           <a:prstGeom prst="rect">
@@ -9114,9 +9990,9 @@
             <a:spAutoFit/>
           </a:bodyPr>
           <a:p>
-            <a:pPr marL="285750" indent="-285750">
+            <a:pPr indent="0">
               <a:buFont typeface="Arial" panose="020B0604020202020204" pitchFamily="34" charset="0"/>
-              <a:buChar char="•"/>
+              <a:buNone/>
             </a:pPr>
             <a:r>
               <a:rPr lang="en-US">
